--- a/Presentation2.pptx
+++ b/Presentation2.pptx
@@ -104,7 +104,121 @@
       </a:defRPr>
     </a:lvl9pPr>
   </p:defaultTextStyle>
+  <p:extLst>
+    <p:ext uri="{EFAFB233-063F-42B5-8137-9DF3F51BA10A}">
+      <p15:sldGuideLst xmlns:p15="http://schemas.microsoft.com/office/powerpoint/2012/main"/>
+    </p:ext>
+  </p:extLst>
 </p:presentation>
+</file>
+
+<file path=ppt/revisionInfo.xml><?xml version="1.0" encoding="utf-8"?>
+<p1510:revInfo xmlns:a="http://schemas.openxmlformats.org/drawingml/2006/main" xmlns:r="http://schemas.openxmlformats.org/officeDocument/2006/relationships" xmlns:p1510="http://schemas.microsoft.com/office/powerpoint/2015/10/main">
+  <p1510:revLst>
+    <p1510:client id="{9BBA9E24-1FE7-0D47-804C-6BAA32BA66B0}" v="5" dt="2020-07-11T17:18:14.980"/>
+  </p1510:revLst>
+</p1510:revInfo>
+</file>
+
+<file path=ppt/changesInfos/changesInfo1.xml><?xml version="1.0" encoding="utf-8"?>
+<pc:chgInfo xmlns:a="http://schemas.openxmlformats.org/drawingml/2006/main" xmlns:r="http://schemas.openxmlformats.org/officeDocument/2006/relationships" xmlns:ac="http://schemas.microsoft.com/office/drawing/2013/main/command" xmlns:pc="http://schemas.microsoft.com/office/powerpoint/2013/main/command">
+  <pc:docChgLst>
+    <pc:chgData name="Christopher M Anderson" userId="9d5a769f-d16b-4a6a-ab56-192655bf8f9f" providerId="ADAL" clId="{9BBA9E24-1FE7-0D47-804C-6BAA32BA66B0}"/>
+    <pc:docChg chg="undo custSel modSld">
+      <pc:chgData name="Christopher M Anderson" userId="9d5a769f-d16b-4a6a-ab56-192655bf8f9f" providerId="ADAL" clId="{9BBA9E24-1FE7-0D47-804C-6BAA32BA66B0}" dt="2020-07-11T17:18:24.645" v="33" actId="14100"/>
+      <pc:docMkLst>
+        <pc:docMk/>
+      </pc:docMkLst>
+      <pc:sldChg chg="addSp delSp modSp">
+        <pc:chgData name="Christopher M Anderson" userId="9d5a769f-d16b-4a6a-ab56-192655bf8f9f" providerId="ADAL" clId="{9BBA9E24-1FE7-0D47-804C-6BAA32BA66B0}" dt="2020-07-11T17:18:24.645" v="33" actId="14100"/>
+        <pc:sldMkLst>
+          <pc:docMk/>
+          <pc:sldMk cId="4199216807" sldId="256"/>
+        </pc:sldMkLst>
+        <pc:spChg chg="mod">
+          <ac:chgData name="Christopher M Anderson" userId="9d5a769f-d16b-4a6a-ab56-192655bf8f9f" providerId="ADAL" clId="{9BBA9E24-1FE7-0D47-804C-6BAA32BA66B0}" dt="2020-07-11T17:15:45.720" v="13" actId="14100"/>
+          <ac:spMkLst>
+            <pc:docMk/>
+            <pc:sldMk cId="4199216807" sldId="256"/>
+            <ac:spMk id="24" creationId="{DDC95E21-0C5E-7F49-A877-D6EDA521FA3B}"/>
+          </ac:spMkLst>
+        </pc:spChg>
+        <pc:spChg chg="mod">
+          <ac:chgData name="Christopher M Anderson" userId="9d5a769f-d16b-4a6a-ab56-192655bf8f9f" providerId="ADAL" clId="{9BBA9E24-1FE7-0D47-804C-6BAA32BA66B0}" dt="2020-07-11T17:17:55.818" v="25" actId="1076"/>
+          <ac:spMkLst>
+            <pc:docMk/>
+            <pc:sldMk cId="4199216807" sldId="256"/>
+            <ac:spMk id="86" creationId="{64D38A2E-8362-AE47-BDF5-3A489331C391}"/>
+          </ac:spMkLst>
+        </pc:spChg>
+        <pc:spChg chg="mod">
+          <ac:chgData name="Christopher M Anderson" userId="9d5a769f-d16b-4a6a-ab56-192655bf8f9f" providerId="ADAL" clId="{9BBA9E24-1FE7-0D47-804C-6BAA32BA66B0}" dt="2020-07-11T17:17:35.133" v="20" actId="1076"/>
+          <ac:spMkLst>
+            <pc:docMk/>
+            <pc:sldMk cId="4199216807" sldId="256"/>
+            <ac:spMk id="87" creationId="{8446BD38-BF58-F54F-BA34-12EC78D5C344}"/>
+          </ac:spMkLst>
+        </pc:spChg>
+        <pc:picChg chg="add mod">
+          <ac:chgData name="Christopher M Anderson" userId="9d5a769f-d16b-4a6a-ab56-192655bf8f9f" providerId="ADAL" clId="{9BBA9E24-1FE7-0D47-804C-6BAA32BA66B0}" dt="2020-07-11T17:15:53.731" v="15" actId="1076"/>
+          <ac:picMkLst>
+            <pc:docMk/>
+            <pc:sldMk cId="4199216807" sldId="256"/>
+            <ac:picMk id="2" creationId="{663B3FC0-7A3E-BF4A-9708-907904A539CF}"/>
+          </ac:picMkLst>
+        </pc:picChg>
+        <pc:picChg chg="mod">
+          <ac:chgData name="Christopher M Anderson" userId="9d5a769f-d16b-4a6a-ab56-192655bf8f9f" providerId="ADAL" clId="{9BBA9E24-1FE7-0D47-804C-6BAA32BA66B0}" dt="2020-07-11T17:15:48.310" v="14" actId="1076"/>
+          <ac:picMkLst>
+            <pc:docMk/>
+            <pc:sldMk cId="4199216807" sldId="256"/>
+            <ac:picMk id="18" creationId="{BC31A026-439A-6F45-9BBE-6C6AC8A4E72F}"/>
+          </ac:picMkLst>
+        </pc:picChg>
+        <pc:picChg chg="add mod">
+          <ac:chgData name="Christopher M Anderson" userId="9d5a769f-d16b-4a6a-ab56-192655bf8f9f" providerId="ADAL" clId="{9BBA9E24-1FE7-0D47-804C-6BAA32BA66B0}" dt="2020-07-11T17:17:44.844" v="22" actId="1076"/>
+          <ac:picMkLst>
+            <pc:docMk/>
+            <pc:sldMk cId="4199216807" sldId="256"/>
+            <ac:picMk id="47" creationId="{1336D0F7-3708-0C44-995F-0E1777AF5FD2}"/>
+          </ac:picMkLst>
+        </pc:picChg>
+        <pc:cxnChg chg="add del mod">
+          <ac:chgData name="Christopher M Anderson" userId="9d5a769f-d16b-4a6a-ab56-192655bf8f9f" providerId="ADAL" clId="{9BBA9E24-1FE7-0D47-804C-6BAA32BA66B0}" dt="2020-07-11T17:15:25.179" v="10" actId="21"/>
+          <ac:cxnSpMkLst>
+            <pc:docMk/>
+            <pc:sldMk cId="4199216807" sldId="256"/>
+            <ac:cxnSpMk id="12" creationId="{8F7DF1F9-7AA6-8D42-9A43-E86EC9BD4CDD}"/>
+          </ac:cxnSpMkLst>
+        </pc:cxnChg>
+        <pc:cxnChg chg="add">
+          <ac:chgData name="Christopher M Anderson" userId="9d5a769f-d16b-4a6a-ab56-192655bf8f9f" providerId="ADAL" clId="{9BBA9E24-1FE7-0D47-804C-6BAA32BA66B0}" dt="2020-07-11T17:16:11.486" v="16" actId="11529"/>
+          <ac:cxnSpMkLst>
+            <pc:docMk/>
+            <pc:sldMk cId="4199216807" sldId="256"/>
+            <ac:cxnSpMk id="16" creationId="{1EE3FB60-8A67-7D45-B6F0-43CED089F08D}"/>
+          </ac:cxnSpMkLst>
+        </pc:cxnChg>
+        <pc:cxnChg chg="add mod">
+          <ac:chgData name="Christopher M Anderson" userId="9d5a769f-d16b-4a6a-ab56-192655bf8f9f" providerId="ADAL" clId="{9BBA9E24-1FE7-0D47-804C-6BAA32BA66B0}" dt="2020-07-11T17:18:11.355" v="29" actId="14100"/>
+          <ac:cxnSpMkLst>
+            <pc:docMk/>
+            <pc:sldMk cId="4199216807" sldId="256"/>
+            <ac:cxnSpMk id="48" creationId="{F1F40F82-2CA5-674D-89E9-233BEE209896}"/>
+          </ac:cxnSpMkLst>
+        </pc:cxnChg>
+        <pc:cxnChg chg="add mod">
+          <ac:chgData name="Christopher M Anderson" userId="9d5a769f-d16b-4a6a-ab56-192655bf8f9f" providerId="ADAL" clId="{9BBA9E24-1FE7-0D47-804C-6BAA32BA66B0}" dt="2020-07-11T17:18:24.645" v="33" actId="14100"/>
+          <ac:cxnSpMkLst>
+            <pc:docMk/>
+            <pc:sldMk cId="4199216807" sldId="256"/>
+            <ac:cxnSpMk id="52" creationId="{289D9AE1-D10C-5443-8433-3D6DAC3257B1}"/>
+          </ac:cxnSpMkLst>
+        </pc:cxnChg>
+      </pc:sldChg>
+    </pc:docChg>
+  </pc:docChgLst>
+</pc:chgInfo>
 </file>
 
 <file path=ppt/slideLayouts/slideLayout1.xml><?xml version="1.0" encoding="utf-8"?>
@@ -254,7 +368,7 @@
           <a:p>
             <a:fld id="{AE55CC3F-D754-3648-A1F8-EFCD929FF2CD}" type="datetimeFigureOut">
               <a:rPr lang="en-US" smtClean="0"/>
-              <a:t>7/4/20</a:t>
+              <a:t>7/11/20</a:t>
             </a:fld>
             <a:endParaRPr lang="en-US"/>
           </a:p>
@@ -452,7 +566,7 @@
           <a:p>
             <a:fld id="{AE55CC3F-D754-3648-A1F8-EFCD929FF2CD}" type="datetimeFigureOut">
               <a:rPr lang="en-US" smtClean="0"/>
-              <a:t>7/4/20</a:t>
+              <a:t>7/11/20</a:t>
             </a:fld>
             <a:endParaRPr lang="en-US"/>
           </a:p>
@@ -660,7 +774,7 @@
           <a:p>
             <a:fld id="{AE55CC3F-D754-3648-A1F8-EFCD929FF2CD}" type="datetimeFigureOut">
               <a:rPr lang="en-US" smtClean="0"/>
-              <a:t>7/4/20</a:t>
+              <a:t>7/11/20</a:t>
             </a:fld>
             <a:endParaRPr lang="en-US"/>
           </a:p>
@@ -858,7 +972,7 @@
           <a:p>
             <a:fld id="{AE55CC3F-D754-3648-A1F8-EFCD929FF2CD}" type="datetimeFigureOut">
               <a:rPr lang="en-US" smtClean="0"/>
-              <a:t>7/4/20</a:t>
+              <a:t>7/11/20</a:t>
             </a:fld>
             <a:endParaRPr lang="en-US"/>
           </a:p>
@@ -1133,7 +1247,7 @@
           <a:p>
             <a:fld id="{AE55CC3F-D754-3648-A1F8-EFCD929FF2CD}" type="datetimeFigureOut">
               <a:rPr lang="en-US" smtClean="0"/>
-              <a:t>7/4/20</a:t>
+              <a:t>7/11/20</a:t>
             </a:fld>
             <a:endParaRPr lang="en-US"/>
           </a:p>
@@ -1398,7 +1512,7 @@
           <a:p>
             <a:fld id="{AE55CC3F-D754-3648-A1F8-EFCD929FF2CD}" type="datetimeFigureOut">
               <a:rPr lang="en-US" smtClean="0"/>
-              <a:t>7/4/20</a:t>
+              <a:t>7/11/20</a:t>
             </a:fld>
             <a:endParaRPr lang="en-US"/>
           </a:p>
@@ -1810,7 +1924,7 @@
           <a:p>
             <a:fld id="{AE55CC3F-D754-3648-A1F8-EFCD929FF2CD}" type="datetimeFigureOut">
               <a:rPr lang="en-US" smtClean="0"/>
-              <a:t>7/4/20</a:t>
+              <a:t>7/11/20</a:t>
             </a:fld>
             <a:endParaRPr lang="en-US"/>
           </a:p>
@@ -1951,7 +2065,7 @@
           <a:p>
             <a:fld id="{AE55CC3F-D754-3648-A1F8-EFCD929FF2CD}" type="datetimeFigureOut">
               <a:rPr lang="en-US" smtClean="0"/>
-              <a:t>7/4/20</a:t>
+              <a:t>7/11/20</a:t>
             </a:fld>
             <a:endParaRPr lang="en-US"/>
           </a:p>
@@ -2064,7 +2178,7 @@
           <a:p>
             <a:fld id="{AE55CC3F-D754-3648-A1F8-EFCD929FF2CD}" type="datetimeFigureOut">
               <a:rPr lang="en-US" smtClean="0"/>
-              <a:t>7/4/20</a:t>
+              <a:t>7/11/20</a:t>
             </a:fld>
             <a:endParaRPr lang="en-US"/>
           </a:p>
@@ -2375,7 +2489,7 @@
           <a:p>
             <a:fld id="{AE55CC3F-D754-3648-A1F8-EFCD929FF2CD}" type="datetimeFigureOut">
               <a:rPr lang="en-US" smtClean="0"/>
-              <a:t>7/4/20</a:t>
+              <a:t>7/11/20</a:t>
             </a:fld>
             <a:endParaRPr lang="en-US"/>
           </a:p>
@@ -2663,7 +2777,7 @@
           <a:p>
             <a:fld id="{AE55CC3F-D754-3648-A1F8-EFCD929FF2CD}" type="datetimeFigureOut">
               <a:rPr lang="en-US" smtClean="0"/>
-              <a:t>7/4/20</a:t>
+              <a:t>7/11/20</a:t>
             </a:fld>
             <a:endParaRPr lang="en-US"/>
           </a:p>
@@ -2904,7 +3018,7 @@
           <a:p>
             <a:fld id="{AE55CC3F-D754-3648-A1F8-EFCD929FF2CD}" type="datetimeFigureOut">
               <a:rPr lang="en-US" smtClean="0"/>
-              <a:t>7/4/20</a:t>
+              <a:t>7/11/20</a:t>
             </a:fld>
             <a:endParaRPr lang="en-US"/>
           </a:p>
@@ -3881,7 +3995,7 @@
         <p:spPr>
           <a:xfrm>
             <a:off x="2060028" y="1134241"/>
-            <a:ext cx="4810329" cy="2444532"/>
+            <a:ext cx="6248395" cy="2444532"/>
           </a:xfrm>
           <a:prstGeom prst="rect">
             <a:avLst/>
@@ -3970,7 +4084,7 @@
         </p:blipFill>
         <p:spPr>
           <a:xfrm>
-            <a:off x="6556786" y="3016165"/>
+            <a:off x="7960513" y="3040553"/>
             <a:ext cx="627141" cy="627141"/>
           </a:xfrm>
           <a:prstGeom prst="rect">
@@ -4707,41 +4821,6 @@
           </a:p>
         </p:txBody>
       </p:sp>
-      <p:sp>
-        <p:nvSpPr>
-          <p:cNvPr id="87" name="TextBox 86">
-            <a:extLst>
-              <a:ext uri="{FF2B5EF4-FFF2-40B4-BE49-F238E27FC236}">
-                <a16:creationId xmlns:a16="http://schemas.microsoft.com/office/drawing/2014/main" id="{8446BD38-BF58-F54F-BA34-12EC78D5C344}"/>
-              </a:ext>
-            </a:extLst>
-          </p:cNvPr>
-          <p:cNvSpPr txBox="1"/>
-          <p:nvPr/>
-        </p:nvSpPr>
-        <p:spPr>
-          <a:xfrm>
-            <a:off x="6399463" y="4282155"/>
-            <a:ext cx="1589731" cy="369332"/>
-          </a:xfrm>
-          <a:prstGeom prst="rect">
-            <a:avLst/>
-          </a:prstGeom>
-          <a:noFill/>
-        </p:spPr>
-        <p:txBody>
-          <a:bodyPr wrap="none" rtlCol="0">
-            <a:spAutoFit/>
-          </a:bodyPr>
-          <a:lstStyle/>
-          <a:p>
-            <a:r>
-              <a:rPr lang="en-US" dirty="0"/>
-              <a:t>Load Balancers</a:t>
-            </a:r>
-          </a:p>
-        </p:txBody>
-      </p:sp>
       <p:pic>
         <p:nvPicPr>
           <p:cNvPr id="88" name="Picture 87">
@@ -4829,6 +4908,231 @@
             <a:avLst/>
           </a:prstGeom>
           <a:ln>
+            <a:tailEnd type="triangle"/>
+          </a:ln>
+        </p:spPr>
+        <p:style>
+          <a:lnRef idx="1">
+            <a:schemeClr val="accent1"/>
+          </a:lnRef>
+          <a:fillRef idx="0">
+            <a:schemeClr val="accent1"/>
+          </a:fillRef>
+          <a:effectRef idx="0">
+            <a:schemeClr val="accent1"/>
+          </a:effectRef>
+          <a:fontRef idx="minor">
+            <a:schemeClr val="tx1"/>
+          </a:fontRef>
+        </p:style>
+      </p:cxnSp>
+      <p:pic>
+        <p:nvPicPr>
+          <p:cNvPr id="2" name="Picture 1">
+            <a:extLst>
+              <a:ext uri="{FF2B5EF4-FFF2-40B4-BE49-F238E27FC236}">
+                <a16:creationId xmlns:a16="http://schemas.microsoft.com/office/drawing/2014/main" id="{663B3FC0-7A3E-BF4A-9708-907904A539CF}"/>
+              </a:ext>
+            </a:extLst>
+          </p:cNvPr>
+          <p:cNvPicPr>
+            <a:picLocks noChangeAspect="1"/>
+          </p:cNvPicPr>
+          <p:nvPr/>
+        </p:nvPicPr>
+        <p:blipFill>
+          <a:blip r:embed="rId9"/>
+          <a:stretch>
+            <a:fillRect/>
+          </a:stretch>
+        </p:blipFill>
+        <p:spPr>
+          <a:xfrm>
+            <a:off x="6515750" y="2517521"/>
+            <a:ext cx="861664" cy="729451"/>
+          </a:xfrm>
+          <a:prstGeom prst="rect">
+            <a:avLst/>
+          </a:prstGeom>
+        </p:spPr>
+      </p:pic>
+      <p:cxnSp>
+        <p:nvCxnSpPr>
+          <p:cNvPr id="16" name="Straight Arrow Connector 15">
+            <a:extLst>
+              <a:ext uri="{FF2B5EF4-FFF2-40B4-BE49-F238E27FC236}">
+                <a16:creationId xmlns:a16="http://schemas.microsoft.com/office/drawing/2014/main" id="{1EE3FB60-8A67-7D45-B6F0-43CED089F08D}"/>
+              </a:ext>
+            </a:extLst>
+          </p:cNvPr>
+          <p:cNvCxnSpPr>
+            <a:stCxn id="55" idx="3"/>
+            <a:endCxn id="2" idx="0"/>
+          </p:cNvCxnSpPr>
+          <p:nvPr/>
+        </p:nvCxnSpPr>
+        <p:spPr>
+          <a:xfrm>
+            <a:off x="4682354" y="1653983"/>
+            <a:ext cx="2264228" cy="863538"/>
+          </a:xfrm>
+          <a:prstGeom prst="straightConnector1">
+            <a:avLst/>
+          </a:prstGeom>
+          <a:ln>
+            <a:headEnd type="triangle"/>
+            <a:tailEnd type="triangle"/>
+          </a:ln>
+        </p:spPr>
+        <p:style>
+          <a:lnRef idx="1">
+            <a:schemeClr val="accent1"/>
+          </a:lnRef>
+          <a:fillRef idx="0">
+            <a:schemeClr val="accent1"/>
+          </a:fillRef>
+          <a:effectRef idx="0">
+            <a:schemeClr val="accent1"/>
+          </a:effectRef>
+          <a:fontRef idx="minor">
+            <a:schemeClr val="tx1"/>
+          </a:fontRef>
+        </p:style>
+      </p:cxnSp>
+      <p:sp>
+        <p:nvSpPr>
+          <p:cNvPr id="87" name="TextBox 86">
+            <a:extLst>
+              <a:ext uri="{FF2B5EF4-FFF2-40B4-BE49-F238E27FC236}">
+                <a16:creationId xmlns:a16="http://schemas.microsoft.com/office/drawing/2014/main" id="{8446BD38-BF58-F54F-BA34-12EC78D5C344}"/>
+              </a:ext>
+            </a:extLst>
+          </p:cNvPr>
+          <p:cNvSpPr txBox="1"/>
+          <p:nvPr/>
+        </p:nvSpPr>
+        <p:spPr>
+          <a:xfrm>
+            <a:off x="7634282" y="4328100"/>
+            <a:ext cx="1409377" cy="646331"/>
+          </a:xfrm>
+          <a:prstGeom prst="rect">
+            <a:avLst/>
+          </a:prstGeom>
+          <a:noFill/>
+        </p:spPr>
+        <p:txBody>
+          <a:bodyPr wrap="square" rtlCol="0">
+            <a:spAutoFit/>
+          </a:bodyPr>
+          <a:lstStyle/>
+          <a:p>
+            <a:r>
+              <a:rPr lang="en-US" dirty="0"/>
+              <a:t>Load Balancers</a:t>
+            </a:r>
+          </a:p>
+        </p:txBody>
+      </p:sp>
+      <p:pic>
+        <p:nvPicPr>
+          <p:cNvPr id="47" name="Picture 46">
+            <a:extLst>
+              <a:ext uri="{FF2B5EF4-FFF2-40B4-BE49-F238E27FC236}">
+                <a16:creationId xmlns:a16="http://schemas.microsoft.com/office/drawing/2014/main" id="{1336D0F7-3708-0C44-995F-0E1777AF5FD2}"/>
+              </a:ext>
+            </a:extLst>
+          </p:cNvPr>
+          <p:cNvPicPr>
+            <a:picLocks noChangeAspect="1"/>
+          </p:cNvPicPr>
+          <p:nvPr/>
+        </p:nvPicPr>
+        <p:blipFill>
+          <a:blip r:embed="rId7"/>
+          <a:stretch>
+            <a:fillRect/>
+          </a:stretch>
+        </p:blipFill>
+        <p:spPr>
+          <a:xfrm>
+            <a:off x="6448420" y="3996120"/>
+            <a:ext cx="812800" cy="812800"/>
+          </a:xfrm>
+          <a:prstGeom prst="rect">
+            <a:avLst/>
+          </a:prstGeom>
+        </p:spPr>
+      </p:pic>
+      <p:cxnSp>
+        <p:nvCxnSpPr>
+          <p:cNvPr id="48" name="Straight Arrow Connector 47">
+            <a:extLst>
+              <a:ext uri="{FF2B5EF4-FFF2-40B4-BE49-F238E27FC236}">
+                <a16:creationId xmlns:a16="http://schemas.microsoft.com/office/drawing/2014/main" id="{F1F40F82-2CA5-674D-89E9-233BEE209896}"/>
+              </a:ext>
+            </a:extLst>
+          </p:cNvPr>
+          <p:cNvCxnSpPr>
+            <a:cxnSpLocks/>
+            <a:stCxn id="47" idx="2"/>
+          </p:cNvCxnSpPr>
+          <p:nvPr/>
+        </p:nvCxnSpPr>
+        <p:spPr>
+          <a:xfrm flipH="1">
+            <a:off x="6853248" y="4808920"/>
+            <a:ext cx="1572" cy="416187"/>
+          </a:xfrm>
+          <a:prstGeom prst="straightConnector1">
+            <a:avLst/>
+          </a:prstGeom>
+          <a:ln>
+            <a:headEnd type="triangle"/>
+            <a:tailEnd type="triangle"/>
+          </a:ln>
+        </p:spPr>
+        <p:style>
+          <a:lnRef idx="1">
+            <a:schemeClr val="accent1"/>
+          </a:lnRef>
+          <a:fillRef idx="0">
+            <a:schemeClr val="accent1"/>
+          </a:fillRef>
+          <a:effectRef idx="0">
+            <a:schemeClr val="accent1"/>
+          </a:effectRef>
+          <a:fontRef idx="minor">
+            <a:schemeClr val="tx1"/>
+          </a:fontRef>
+        </p:style>
+      </p:cxnSp>
+      <p:cxnSp>
+        <p:nvCxnSpPr>
+          <p:cNvPr id="52" name="Straight Arrow Connector 51">
+            <a:extLst>
+              <a:ext uri="{FF2B5EF4-FFF2-40B4-BE49-F238E27FC236}">
+                <a16:creationId xmlns:a16="http://schemas.microsoft.com/office/drawing/2014/main" id="{289D9AE1-D10C-5443-8433-3D6DAC3257B1}"/>
+              </a:ext>
+            </a:extLst>
+          </p:cNvPr>
+          <p:cNvCxnSpPr>
+            <a:cxnSpLocks/>
+            <a:stCxn id="2" idx="2"/>
+            <a:endCxn id="47" idx="0"/>
+          </p:cNvCxnSpPr>
+          <p:nvPr/>
+        </p:nvCxnSpPr>
+        <p:spPr>
+          <a:xfrm flipH="1">
+            <a:off x="6854820" y="3246972"/>
+            <a:ext cx="91762" cy="749148"/>
+          </a:xfrm>
+          <a:prstGeom prst="straightConnector1">
+            <a:avLst/>
+          </a:prstGeom>
+          <a:ln>
+            <a:headEnd type="triangle"/>
             <a:tailEnd type="triangle"/>
           </a:ln>
         </p:spPr>

--- a/Presentation2.pptx
+++ b/Presentation2.pptx
@@ -125,18 +125,74 @@
   <pc:docChgLst>
     <pc:chgData name="Christopher M Anderson" userId="9d5a769f-d16b-4a6a-ab56-192655bf8f9f" providerId="ADAL" clId="{9BBA9E24-1FE7-0D47-804C-6BAA32BA66B0}"/>
     <pc:docChg chg="undo custSel modSld">
-      <pc:chgData name="Christopher M Anderson" userId="9d5a769f-d16b-4a6a-ab56-192655bf8f9f" providerId="ADAL" clId="{9BBA9E24-1FE7-0D47-804C-6BAA32BA66B0}" dt="2020-07-11T17:18:24.645" v="33" actId="14100"/>
+      <pc:chgData name="Christopher M Anderson" userId="9d5a769f-d16b-4a6a-ab56-192655bf8f9f" providerId="ADAL" clId="{9BBA9E24-1FE7-0D47-804C-6BAA32BA66B0}" dt="2020-08-08T20:30:15.478" v="109" actId="14100"/>
       <pc:docMkLst>
         <pc:docMk/>
       </pc:docMkLst>
-      <pc:sldChg chg="addSp delSp modSp">
-        <pc:chgData name="Christopher M Anderson" userId="9d5a769f-d16b-4a6a-ab56-192655bf8f9f" providerId="ADAL" clId="{9BBA9E24-1FE7-0D47-804C-6BAA32BA66B0}" dt="2020-07-11T17:18:24.645" v="33" actId="14100"/>
+      <pc:sldChg chg="addSp delSp modSp mod">
+        <pc:chgData name="Christopher M Anderson" userId="9d5a769f-d16b-4a6a-ab56-192655bf8f9f" providerId="ADAL" clId="{9BBA9E24-1FE7-0D47-804C-6BAA32BA66B0}" dt="2020-08-08T20:30:15.478" v="109" actId="14100"/>
         <pc:sldMkLst>
           <pc:docMk/>
           <pc:sldMk cId="4199216807" sldId="256"/>
         </pc:sldMkLst>
         <pc:spChg chg="mod">
-          <ac:chgData name="Christopher M Anderson" userId="9d5a769f-d16b-4a6a-ab56-192655bf8f9f" providerId="ADAL" clId="{9BBA9E24-1FE7-0D47-804C-6BAA32BA66B0}" dt="2020-07-11T17:15:45.720" v="13" actId="14100"/>
+          <ac:chgData name="Christopher M Anderson" userId="9d5a769f-d16b-4a6a-ab56-192655bf8f9f" providerId="ADAL" clId="{9BBA9E24-1FE7-0D47-804C-6BAA32BA66B0}" dt="2020-08-08T20:29:50.333" v="103" actId="14100"/>
+          <ac:spMkLst>
+            <pc:docMk/>
+            <pc:sldMk cId="4199216807" sldId="256"/>
+            <ac:spMk id="4" creationId="{DC9D247A-2684-D64E-9E32-356D804A3BAB}"/>
+          </ac:spMkLst>
+        </pc:spChg>
+        <pc:spChg chg="del mod">
+          <ac:chgData name="Christopher M Anderson" userId="9d5a769f-d16b-4a6a-ab56-192655bf8f9f" providerId="ADAL" clId="{9BBA9E24-1FE7-0D47-804C-6BAA32BA66B0}" dt="2020-08-08T20:30:03.437" v="107" actId="21"/>
+          <ac:spMkLst>
+            <pc:docMk/>
+            <pc:sldMk cId="4199216807" sldId="256"/>
+            <ac:spMk id="5" creationId="{2EC62C79-61A3-744F-A5F0-0114873A3C35}"/>
+          </ac:spMkLst>
+        </pc:spChg>
+        <pc:spChg chg="del mod">
+          <ac:chgData name="Christopher M Anderson" userId="9d5a769f-d16b-4a6a-ab56-192655bf8f9f" providerId="ADAL" clId="{9BBA9E24-1FE7-0D47-804C-6BAA32BA66B0}" dt="2020-08-08T20:29:59.304" v="106" actId="21"/>
+          <ac:spMkLst>
+            <pc:docMk/>
+            <pc:sldMk cId="4199216807" sldId="256"/>
+            <ac:spMk id="6" creationId="{80B883B0-71D2-FB4D-928A-83FCBF87762B}"/>
+          </ac:spMkLst>
+        </pc:spChg>
+        <pc:spChg chg="mod">
+          <ac:chgData name="Christopher M Anderson" userId="9d5a769f-d16b-4a6a-ab56-192655bf8f9f" providerId="ADAL" clId="{9BBA9E24-1FE7-0D47-804C-6BAA32BA66B0}" dt="2020-08-08T20:30:06.881" v="108" actId="1076"/>
+          <ac:spMkLst>
+            <pc:docMk/>
+            <pc:sldMk cId="4199216807" sldId="256"/>
+            <ac:spMk id="7" creationId="{F8FBDEA0-FCA7-4D46-9656-683FEDB45DBD}"/>
+          </ac:spMkLst>
+        </pc:spChg>
+        <pc:spChg chg="mod">
+          <ac:chgData name="Christopher M Anderson" userId="9d5a769f-d16b-4a6a-ab56-192655bf8f9f" providerId="ADAL" clId="{9BBA9E24-1FE7-0D47-804C-6BAA32BA66B0}" dt="2020-08-08T20:29:54.442" v="104" actId="1076"/>
+          <ac:spMkLst>
+            <pc:docMk/>
+            <pc:sldMk cId="4199216807" sldId="256"/>
+            <ac:spMk id="8" creationId="{D7C0FD32-DDF2-FC4D-B3EC-1AB5FE68762C}"/>
+          </ac:spMkLst>
+        </pc:spChg>
+        <pc:spChg chg="mod">
+          <ac:chgData name="Christopher M Anderson" userId="9d5a769f-d16b-4a6a-ab56-192655bf8f9f" providerId="ADAL" clId="{9BBA9E24-1FE7-0D47-804C-6BAA32BA66B0}" dt="2020-08-08T20:30:15.478" v="109" actId="14100"/>
+          <ac:spMkLst>
+            <pc:docMk/>
+            <pc:sldMk cId="4199216807" sldId="256"/>
+            <ac:spMk id="9" creationId="{1D189021-A5D7-6448-A350-93BA1A0F95C7}"/>
+          </ac:spMkLst>
+        </pc:spChg>
+        <pc:spChg chg="mod">
+          <ac:chgData name="Christopher M Anderson" userId="9d5a769f-d16b-4a6a-ab56-192655bf8f9f" providerId="ADAL" clId="{9BBA9E24-1FE7-0D47-804C-6BAA32BA66B0}" dt="2020-08-08T20:29:42.120" v="102" actId="20577"/>
+          <ac:spMkLst>
+            <pc:docMk/>
+            <pc:sldMk cId="4199216807" sldId="256"/>
+            <ac:spMk id="10" creationId="{C1EC9BBA-07A2-CE48-9C31-BE656EFBCC77}"/>
+          </ac:spMkLst>
+        </pc:spChg>
+        <pc:spChg chg="mod">
+          <ac:chgData name="Christopher M Anderson" userId="9d5a769f-d16b-4a6a-ab56-192655bf8f9f" providerId="ADAL" clId="{9BBA9E24-1FE7-0D47-804C-6BAA32BA66B0}" dt="2020-08-08T20:28:02.924" v="67" actId="14100"/>
           <ac:spMkLst>
             <pc:docMk/>
             <pc:sldMk cId="4199216807" sldId="256"/>
@@ -144,7 +200,15 @@
           </ac:spMkLst>
         </pc:spChg>
         <pc:spChg chg="mod">
-          <ac:chgData name="Christopher M Anderson" userId="9d5a769f-d16b-4a6a-ab56-192655bf8f9f" providerId="ADAL" clId="{9BBA9E24-1FE7-0D47-804C-6BAA32BA66B0}" dt="2020-07-11T17:17:55.818" v="25" actId="1076"/>
+          <ac:chgData name="Christopher M Anderson" userId="9d5a769f-d16b-4a6a-ab56-192655bf8f9f" providerId="ADAL" clId="{9BBA9E24-1FE7-0D47-804C-6BAA32BA66B0}" dt="2020-08-08T20:28:46.580" v="97" actId="20577"/>
+          <ac:spMkLst>
+            <pc:docMk/>
+            <pc:sldMk cId="4199216807" sldId="256"/>
+            <ac:spMk id="33" creationId="{63F6598D-73F3-3948-B112-B155EFFEA67D}"/>
+          </ac:spMkLst>
+        </pc:spChg>
+        <pc:spChg chg="mod">
+          <ac:chgData name="Christopher M Anderson" userId="9d5a769f-d16b-4a6a-ab56-192655bf8f9f" providerId="ADAL" clId="{9BBA9E24-1FE7-0D47-804C-6BAA32BA66B0}" dt="2020-08-08T20:27:33.422" v="41" actId="14100"/>
           <ac:spMkLst>
             <pc:docMk/>
             <pc:sldMk cId="4199216807" sldId="256"/>
@@ -152,15 +216,23 @@
           </ac:spMkLst>
         </pc:spChg>
         <pc:spChg chg="mod">
-          <ac:chgData name="Christopher M Anderson" userId="9d5a769f-d16b-4a6a-ab56-192655bf8f9f" providerId="ADAL" clId="{9BBA9E24-1FE7-0D47-804C-6BAA32BA66B0}" dt="2020-07-11T17:17:35.133" v="20" actId="1076"/>
+          <ac:chgData name="Christopher M Anderson" userId="9d5a769f-d16b-4a6a-ab56-192655bf8f9f" providerId="ADAL" clId="{9BBA9E24-1FE7-0D47-804C-6BAA32BA66B0}" dt="2020-08-08T20:27:30.926" v="40" actId="1076"/>
           <ac:spMkLst>
             <pc:docMk/>
             <pc:sldMk cId="4199216807" sldId="256"/>
             <ac:spMk id="87" creationId="{8446BD38-BF58-F54F-BA34-12EC78D5C344}"/>
           </ac:spMkLst>
         </pc:spChg>
-        <pc:picChg chg="add mod">
-          <ac:chgData name="Christopher M Anderson" userId="9d5a769f-d16b-4a6a-ab56-192655bf8f9f" providerId="ADAL" clId="{9BBA9E24-1FE7-0D47-804C-6BAA32BA66B0}" dt="2020-07-11T17:15:53.731" v="15" actId="1076"/>
+        <pc:spChg chg="mod">
+          <ac:chgData name="Christopher M Anderson" userId="9d5a769f-d16b-4a6a-ab56-192655bf8f9f" providerId="ADAL" clId="{9BBA9E24-1FE7-0D47-804C-6BAA32BA66B0}" dt="2020-08-08T20:27:16.498" v="35" actId="20577"/>
+          <ac:spMkLst>
+            <pc:docMk/>
+            <pc:sldMk cId="4199216807" sldId="256"/>
+            <ac:spMk id="89" creationId="{1C79CAA9-7FA5-3F4F-AB08-BDCEF39D56EC}"/>
+          </ac:spMkLst>
+        </pc:spChg>
+        <pc:picChg chg="add del mod">
+          <ac:chgData name="Christopher M Anderson" userId="9d5a769f-d16b-4a6a-ab56-192655bf8f9f" providerId="ADAL" clId="{9BBA9E24-1FE7-0D47-804C-6BAA32BA66B0}" dt="2020-08-08T20:27:19.891" v="36" actId="478"/>
           <ac:picMkLst>
             <pc:docMk/>
             <pc:sldMk cId="4199216807" sldId="256"/>
@@ -168,15 +240,31 @@
           </ac:picMkLst>
         </pc:picChg>
         <pc:picChg chg="mod">
-          <ac:chgData name="Christopher M Anderson" userId="9d5a769f-d16b-4a6a-ab56-192655bf8f9f" providerId="ADAL" clId="{9BBA9E24-1FE7-0D47-804C-6BAA32BA66B0}" dt="2020-07-11T17:15:48.310" v="14" actId="1076"/>
+          <ac:chgData name="Christopher M Anderson" userId="9d5a769f-d16b-4a6a-ab56-192655bf8f9f" providerId="ADAL" clId="{9BBA9E24-1FE7-0D47-804C-6BAA32BA66B0}" dt="2020-08-08T20:28:10.283" v="68" actId="1076"/>
           <ac:picMkLst>
             <pc:docMk/>
             <pc:sldMk cId="4199216807" sldId="256"/>
             <ac:picMk id="18" creationId="{BC31A026-439A-6F45-9BBE-6C6AC8A4E72F}"/>
           </ac:picMkLst>
         </pc:picChg>
-        <pc:picChg chg="add mod">
-          <ac:chgData name="Christopher M Anderson" userId="9d5a769f-d16b-4a6a-ab56-192655bf8f9f" providerId="ADAL" clId="{9BBA9E24-1FE7-0D47-804C-6BAA32BA66B0}" dt="2020-07-11T17:17:44.844" v="22" actId="1076"/>
+        <pc:picChg chg="del">
+          <ac:chgData name="Christopher M Anderson" userId="9d5a769f-d16b-4a6a-ab56-192655bf8f9f" providerId="ADAL" clId="{9BBA9E24-1FE7-0D47-804C-6BAA32BA66B0}" dt="2020-08-08T20:28:33.055" v="72" actId="478"/>
+          <ac:picMkLst>
+            <pc:docMk/>
+            <pc:sldMk cId="4199216807" sldId="256"/>
+            <ac:picMk id="20" creationId="{7E987EC2-22D9-424E-81F0-D34A7CAF8AE8}"/>
+          </ac:picMkLst>
+        </pc:picChg>
+        <pc:picChg chg="del">
+          <ac:chgData name="Christopher M Anderson" userId="9d5a769f-d16b-4a6a-ab56-192655bf8f9f" providerId="ADAL" clId="{9BBA9E24-1FE7-0D47-804C-6BAA32BA66B0}" dt="2020-08-08T20:28:49.915" v="98" actId="478"/>
+          <ac:picMkLst>
+            <pc:docMk/>
+            <pc:sldMk cId="4199216807" sldId="256"/>
+            <ac:picMk id="23" creationId="{9CFC57D3-D337-0046-A37F-E3011186D297}"/>
+          </ac:picMkLst>
+        </pc:picChg>
+        <pc:picChg chg="add del mod">
+          <ac:chgData name="Christopher M Anderson" userId="9d5a769f-d16b-4a6a-ab56-192655bf8f9f" providerId="ADAL" clId="{9BBA9E24-1FE7-0D47-804C-6BAA32BA66B0}" dt="2020-08-08T20:27:23.852" v="38" actId="478"/>
           <ac:picMkLst>
             <pc:docMk/>
             <pc:sldMk cId="4199216807" sldId="256"/>
@@ -191,28 +279,76 @@
             <ac:cxnSpMk id="12" creationId="{8F7DF1F9-7AA6-8D42-9A43-E86EC9BD4CDD}"/>
           </ac:cxnSpMkLst>
         </pc:cxnChg>
-        <pc:cxnChg chg="add">
-          <ac:chgData name="Christopher M Anderson" userId="9d5a769f-d16b-4a6a-ab56-192655bf8f9f" providerId="ADAL" clId="{9BBA9E24-1FE7-0D47-804C-6BAA32BA66B0}" dt="2020-07-11T17:16:11.486" v="16" actId="11529"/>
+        <pc:cxnChg chg="add del mod">
+          <ac:chgData name="Christopher M Anderson" userId="9d5a769f-d16b-4a6a-ab56-192655bf8f9f" providerId="ADAL" clId="{9BBA9E24-1FE7-0D47-804C-6BAA32BA66B0}" dt="2020-08-08T20:27:21.656" v="37" actId="478"/>
           <ac:cxnSpMkLst>
             <pc:docMk/>
             <pc:sldMk cId="4199216807" sldId="256"/>
             <ac:cxnSpMk id="16" creationId="{1EE3FB60-8A67-7D45-B6F0-43CED089F08D}"/>
           </ac:cxnSpMkLst>
         </pc:cxnChg>
+        <pc:cxnChg chg="del mod">
+          <ac:chgData name="Christopher M Anderson" userId="9d5a769f-d16b-4a6a-ab56-192655bf8f9f" providerId="ADAL" clId="{9BBA9E24-1FE7-0D47-804C-6BAA32BA66B0}" dt="2020-08-08T20:28:35.265" v="74" actId="478"/>
+          <ac:cxnSpMkLst>
+            <pc:docMk/>
+            <pc:sldMk cId="4199216807" sldId="256"/>
+            <ac:cxnSpMk id="41" creationId="{F54AC784-B3F3-5841-BEDA-0C6D77EF1ECF}"/>
+          </ac:cxnSpMkLst>
+        </pc:cxnChg>
+        <pc:cxnChg chg="mod">
+          <ac:chgData name="Christopher M Anderson" userId="9d5a769f-d16b-4a6a-ab56-192655bf8f9f" providerId="ADAL" clId="{9BBA9E24-1FE7-0D47-804C-6BAA32BA66B0}" dt="2020-08-08T20:28:22.921" v="70" actId="1076"/>
+          <ac:cxnSpMkLst>
+            <pc:docMk/>
+            <pc:sldMk cId="4199216807" sldId="256"/>
+            <ac:cxnSpMk id="43" creationId="{E85B151E-66D6-7844-B82C-278468A858DF}"/>
+          </ac:cxnSpMkLst>
+        </pc:cxnChg>
         <pc:cxnChg chg="add mod">
-          <ac:chgData name="Christopher M Anderson" userId="9d5a769f-d16b-4a6a-ab56-192655bf8f9f" providerId="ADAL" clId="{9BBA9E24-1FE7-0D47-804C-6BAA32BA66B0}" dt="2020-07-11T17:18:11.355" v="29" actId="14100"/>
+          <ac:chgData name="Christopher M Anderson" userId="9d5a769f-d16b-4a6a-ab56-192655bf8f9f" providerId="ADAL" clId="{9BBA9E24-1FE7-0D47-804C-6BAA32BA66B0}" dt="2020-08-08T20:27:23.852" v="38" actId="478"/>
           <ac:cxnSpMkLst>
             <pc:docMk/>
             <pc:sldMk cId="4199216807" sldId="256"/>
             <ac:cxnSpMk id="48" creationId="{F1F40F82-2CA5-674D-89E9-233BEE209896}"/>
           </ac:cxnSpMkLst>
         </pc:cxnChg>
-        <pc:cxnChg chg="add mod">
-          <ac:chgData name="Christopher M Anderson" userId="9d5a769f-d16b-4a6a-ab56-192655bf8f9f" providerId="ADAL" clId="{9BBA9E24-1FE7-0D47-804C-6BAA32BA66B0}" dt="2020-07-11T17:18:24.645" v="33" actId="14100"/>
+        <pc:cxnChg chg="add del mod">
+          <ac:chgData name="Christopher M Anderson" userId="9d5a769f-d16b-4a6a-ab56-192655bf8f9f" providerId="ADAL" clId="{9BBA9E24-1FE7-0D47-804C-6BAA32BA66B0}" dt="2020-08-08T20:27:25.378" v="39" actId="478"/>
           <ac:cxnSpMkLst>
             <pc:docMk/>
             <pc:sldMk cId="4199216807" sldId="256"/>
             <ac:cxnSpMk id="52" creationId="{289D9AE1-D10C-5443-8433-3D6DAC3257B1}"/>
+          </ac:cxnSpMkLst>
+        </pc:cxnChg>
+        <pc:cxnChg chg="mod">
+          <ac:chgData name="Christopher M Anderson" userId="9d5a769f-d16b-4a6a-ab56-192655bf8f9f" providerId="ADAL" clId="{9BBA9E24-1FE7-0D47-804C-6BAA32BA66B0}" dt="2020-08-08T20:29:50.333" v="103" actId="14100"/>
+          <ac:cxnSpMkLst>
+            <pc:docMk/>
+            <pc:sldMk cId="4199216807" sldId="256"/>
+            <ac:cxnSpMk id="57" creationId="{7759BC57-0C15-8A47-B948-4B2B41C85A4B}"/>
+          </ac:cxnSpMkLst>
+        </pc:cxnChg>
+        <pc:cxnChg chg="del mod">
+          <ac:chgData name="Christopher M Anderson" userId="9d5a769f-d16b-4a6a-ab56-192655bf8f9f" providerId="ADAL" clId="{9BBA9E24-1FE7-0D47-804C-6BAA32BA66B0}" dt="2020-08-08T20:28:34.055" v="73" actId="478"/>
+          <ac:cxnSpMkLst>
+            <pc:docMk/>
+            <pc:sldMk cId="4199216807" sldId="256"/>
+            <ac:cxnSpMk id="62" creationId="{B1CE43D1-4393-9C45-91AE-5E5D5CB90C2C}"/>
+          </ac:cxnSpMkLst>
+        </pc:cxnChg>
+        <pc:cxnChg chg="del mod">
+          <ac:chgData name="Christopher M Anderson" userId="9d5a769f-d16b-4a6a-ab56-192655bf8f9f" providerId="ADAL" clId="{9BBA9E24-1FE7-0D47-804C-6BAA32BA66B0}" dt="2020-08-08T20:28:52.476" v="99" actId="478"/>
+          <ac:cxnSpMkLst>
+            <pc:docMk/>
+            <pc:sldMk cId="4199216807" sldId="256"/>
+            <ac:cxnSpMk id="65" creationId="{82CBC3FA-7FF7-804B-86D0-474D30D7580A}"/>
+          </ac:cxnSpMkLst>
+        </pc:cxnChg>
+        <pc:cxnChg chg="del mod">
+          <ac:chgData name="Christopher M Anderson" userId="9d5a769f-d16b-4a6a-ab56-192655bf8f9f" providerId="ADAL" clId="{9BBA9E24-1FE7-0D47-804C-6BAA32BA66B0}" dt="2020-08-08T20:28:59.956" v="100" actId="21"/>
+          <ac:cxnSpMkLst>
+            <pc:docMk/>
+            <pc:sldMk cId="4199216807" sldId="256"/>
+            <ac:cxnSpMk id="83" creationId="{FFD0AA6D-9247-0841-A9FD-1A20171AF6E3}"/>
           </ac:cxnSpMkLst>
         </pc:cxnChg>
       </pc:sldChg>
@@ -368,7 +504,7 @@
           <a:p>
             <a:fld id="{AE55CC3F-D754-3648-A1F8-EFCD929FF2CD}" type="datetimeFigureOut">
               <a:rPr lang="en-US" smtClean="0"/>
-              <a:t>7/11/20</a:t>
+              <a:t>8/8/20</a:t>
             </a:fld>
             <a:endParaRPr lang="en-US"/>
           </a:p>
@@ -566,7 +702,7 @@
           <a:p>
             <a:fld id="{AE55CC3F-D754-3648-A1F8-EFCD929FF2CD}" type="datetimeFigureOut">
               <a:rPr lang="en-US" smtClean="0"/>
-              <a:t>7/11/20</a:t>
+              <a:t>8/8/20</a:t>
             </a:fld>
             <a:endParaRPr lang="en-US"/>
           </a:p>
@@ -774,7 +910,7 @@
           <a:p>
             <a:fld id="{AE55CC3F-D754-3648-A1F8-EFCD929FF2CD}" type="datetimeFigureOut">
               <a:rPr lang="en-US" smtClean="0"/>
-              <a:t>7/11/20</a:t>
+              <a:t>8/8/20</a:t>
             </a:fld>
             <a:endParaRPr lang="en-US"/>
           </a:p>
@@ -972,7 +1108,7 @@
           <a:p>
             <a:fld id="{AE55CC3F-D754-3648-A1F8-EFCD929FF2CD}" type="datetimeFigureOut">
               <a:rPr lang="en-US" smtClean="0"/>
-              <a:t>7/11/20</a:t>
+              <a:t>8/8/20</a:t>
             </a:fld>
             <a:endParaRPr lang="en-US"/>
           </a:p>
@@ -1247,7 +1383,7 @@
           <a:p>
             <a:fld id="{AE55CC3F-D754-3648-A1F8-EFCD929FF2CD}" type="datetimeFigureOut">
               <a:rPr lang="en-US" smtClean="0"/>
-              <a:t>7/11/20</a:t>
+              <a:t>8/8/20</a:t>
             </a:fld>
             <a:endParaRPr lang="en-US"/>
           </a:p>
@@ -1512,7 +1648,7 @@
           <a:p>
             <a:fld id="{AE55CC3F-D754-3648-A1F8-EFCD929FF2CD}" type="datetimeFigureOut">
               <a:rPr lang="en-US" smtClean="0"/>
-              <a:t>7/11/20</a:t>
+              <a:t>8/8/20</a:t>
             </a:fld>
             <a:endParaRPr lang="en-US"/>
           </a:p>
@@ -1924,7 +2060,7 @@
           <a:p>
             <a:fld id="{AE55CC3F-D754-3648-A1F8-EFCD929FF2CD}" type="datetimeFigureOut">
               <a:rPr lang="en-US" smtClean="0"/>
-              <a:t>7/11/20</a:t>
+              <a:t>8/8/20</a:t>
             </a:fld>
             <a:endParaRPr lang="en-US"/>
           </a:p>
@@ -2065,7 +2201,7 @@
           <a:p>
             <a:fld id="{AE55CC3F-D754-3648-A1F8-EFCD929FF2CD}" type="datetimeFigureOut">
               <a:rPr lang="en-US" smtClean="0"/>
-              <a:t>7/11/20</a:t>
+              <a:t>8/8/20</a:t>
             </a:fld>
             <a:endParaRPr lang="en-US"/>
           </a:p>
@@ -2178,7 +2314,7 @@
           <a:p>
             <a:fld id="{AE55CC3F-D754-3648-A1F8-EFCD929FF2CD}" type="datetimeFigureOut">
               <a:rPr lang="en-US" smtClean="0"/>
-              <a:t>7/11/20</a:t>
+              <a:t>8/8/20</a:t>
             </a:fld>
             <a:endParaRPr lang="en-US"/>
           </a:p>
@@ -2489,7 +2625,7 @@
           <a:p>
             <a:fld id="{AE55CC3F-D754-3648-A1F8-EFCD929FF2CD}" type="datetimeFigureOut">
               <a:rPr lang="en-US" smtClean="0"/>
-              <a:t>7/11/20</a:t>
+              <a:t>8/8/20</a:t>
             </a:fld>
             <a:endParaRPr lang="en-US"/>
           </a:p>
@@ -2777,7 +2913,7 @@
           <a:p>
             <a:fld id="{AE55CC3F-D754-3648-A1F8-EFCD929FF2CD}" type="datetimeFigureOut">
               <a:rPr lang="en-US" smtClean="0"/>
-              <a:t>7/11/20</a:t>
+              <a:t>8/8/20</a:t>
             </a:fld>
             <a:endParaRPr lang="en-US"/>
           </a:p>
@@ -3018,7 +3154,7 @@
           <a:p>
             <a:fld id="{AE55CC3F-D754-3648-A1F8-EFCD929FF2CD}" type="datetimeFigureOut">
               <a:rPr lang="en-US" smtClean="0"/>
-              <a:t>7/11/20</a:t>
+              <a:t>8/8/20</a:t>
             </a:fld>
             <a:endParaRPr lang="en-US"/>
           </a:p>
@@ -3450,7 +3586,7 @@
         <p:spPr>
           <a:xfrm>
             <a:off x="2406867" y="5249917"/>
-            <a:ext cx="7304689" cy="977462"/>
+            <a:ext cx="4913347" cy="977462"/>
           </a:xfrm>
           <a:prstGeom prst="roundRect">
             <a:avLst/>
@@ -3479,17 +3615,17 @@
             <a:pPr algn="ctr"/>
             <a:r>
               <a:rPr lang="en-US" dirty="0"/>
-              <a:t>Azure AKS Network</a:t>
-            </a:r>
-          </a:p>
-        </p:txBody>
-      </p:sp>
-      <p:sp>
-        <p:nvSpPr>
-          <p:cNvPr id="5" name="Snip Same Side Corner Rectangle 4">
-            <a:extLst>
-              <a:ext uri="{FF2B5EF4-FFF2-40B4-BE49-F238E27FC236}">
-                <a16:creationId xmlns:a16="http://schemas.microsoft.com/office/drawing/2014/main" id="{2EC62C79-61A3-744F-A5F0-0114873A3C35}"/>
+              <a:t>AWS EKS Network</a:t>
+            </a:r>
+          </a:p>
+        </p:txBody>
+      </p:sp>
+      <p:sp>
+        <p:nvSpPr>
+          <p:cNvPr id="7" name="Snip Same Side Corner Rectangle 6">
+            <a:extLst>
+              <a:ext uri="{FF2B5EF4-FFF2-40B4-BE49-F238E27FC236}">
+                <a16:creationId xmlns:a16="http://schemas.microsoft.com/office/drawing/2014/main" id="{F8FBDEA0-FCA7-4D46-9656-683FEDB45DBD}"/>
               </a:ext>
             </a:extLst>
           </p:cNvPr>
@@ -3498,8 +3634,8 @@
         </p:nvSpPr>
         <p:spPr>
           <a:xfrm>
-            <a:off x="2659115" y="5628289"/>
-            <a:ext cx="914400" cy="546538"/>
+            <a:off x="2643349" y="5664711"/>
+            <a:ext cx="1045781" cy="546538"/>
           </a:xfrm>
           <a:prstGeom prst="snip2SameRect">
             <a:avLst/>
@@ -3528,17 +3664,17 @@
             <a:pPr algn="ctr"/>
             <a:r>
               <a:rPr lang="en-US" dirty="0"/>
-              <a:t>NSG</a:t>
-            </a:r>
-          </a:p>
-        </p:txBody>
-      </p:sp>
-      <p:sp>
-        <p:nvSpPr>
-          <p:cNvPr id="6" name="Snip Same Side Corner Rectangle 5">
-            <a:extLst>
-              <a:ext uri="{FF2B5EF4-FFF2-40B4-BE49-F238E27FC236}">
-                <a16:creationId xmlns:a16="http://schemas.microsoft.com/office/drawing/2014/main" id="{80B883B0-71D2-FB4D-928A-83FCBF87762B}"/>
+              <a:t>Subnet</a:t>
+            </a:r>
+          </a:p>
+        </p:txBody>
+      </p:sp>
+      <p:sp>
+        <p:nvSpPr>
+          <p:cNvPr id="8" name="Snip Same Side Corner Rectangle 7">
+            <a:extLst>
+              <a:ext uri="{FF2B5EF4-FFF2-40B4-BE49-F238E27FC236}">
+                <a16:creationId xmlns:a16="http://schemas.microsoft.com/office/drawing/2014/main" id="{D7C0FD32-DDF2-FC4D-B3EC-1AB5FE68762C}"/>
               </a:ext>
             </a:extLst>
           </p:cNvPr>
@@ -3547,7 +3683,7 @@
         </p:nvSpPr>
         <p:spPr>
           <a:xfrm>
-            <a:off x="3573515" y="5628289"/>
+            <a:off x="5741000" y="5672820"/>
             <a:ext cx="914400" cy="546538"/>
           </a:xfrm>
           <a:prstGeom prst="snip2SameRect">
@@ -3575,19 +3711,27 @@
           <a:lstStyle/>
           <a:p>
             <a:pPr algn="ctr"/>
+            <a:endParaRPr lang="en-US" dirty="0"/>
+          </a:p>
+          <a:p>
+            <a:pPr algn="ctr"/>
             <a:r>
               <a:rPr lang="en-US" dirty="0"/>
-              <a:t>RBAC</a:t>
-            </a:r>
-          </a:p>
-        </p:txBody>
-      </p:sp>
-      <p:sp>
-        <p:nvSpPr>
-          <p:cNvPr id="7" name="Snip Same Side Corner Rectangle 6">
-            <a:extLst>
-              <a:ext uri="{FF2B5EF4-FFF2-40B4-BE49-F238E27FC236}">
-                <a16:creationId xmlns:a16="http://schemas.microsoft.com/office/drawing/2014/main" id="{F8FBDEA0-FCA7-4D46-9656-683FEDB45DBD}"/>
+              <a:t>Routes</a:t>
+            </a:r>
+          </a:p>
+          <a:p>
+            <a:pPr algn="ctr"/>
+            <a:endParaRPr lang="en-US" dirty="0"/>
+          </a:p>
+        </p:txBody>
+      </p:sp>
+      <p:sp>
+        <p:nvSpPr>
+          <p:cNvPr id="9" name="Rectangle 8">
+            <a:extLst>
+              <a:ext uri="{FF2B5EF4-FFF2-40B4-BE49-F238E27FC236}">
+                <a16:creationId xmlns:a16="http://schemas.microsoft.com/office/drawing/2014/main" id="{1D189021-A5D7-6448-A350-93BA1A0F95C7}"/>
               </a:ext>
             </a:extLst>
           </p:cNvPr>
@@ -3596,12 +3740,13 @@
         </p:nvSpPr>
         <p:spPr>
           <a:xfrm>
-            <a:off x="8308423" y="5628289"/>
-            <a:ext cx="1045781" cy="546538"/>
-          </a:xfrm>
-          <a:prstGeom prst="snip2SameRect">
+            <a:off x="1576550" y="861848"/>
+            <a:ext cx="6031027" cy="5486401"/>
+          </a:xfrm>
+          <a:prstGeom prst="rect">
             <a:avLst/>
           </a:prstGeom>
+          <a:noFill/>
         </p:spPr>
         <p:style>
           <a:lnRef idx="2">
@@ -3624,19 +3769,201 @@
           <a:lstStyle/>
           <a:p>
             <a:pPr algn="ctr"/>
+            <a:endParaRPr lang="en-US"/>
+          </a:p>
+        </p:txBody>
+      </p:sp>
+      <p:sp>
+        <p:nvSpPr>
+          <p:cNvPr id="10" name="TextBox 9">
+            <a:extLst>
+              <a:ext uri="{FF2B5EF4-FFF2-40B4-BE49-F238E27FC236}">
+                <a16:creationId xmlns:a16="http://schemas.microsoft.com/office/drawing/2014/main" id="{C1EC9BBA-07A2-CE48-9C31-BE656EFBCC77}"/>
+              </a:ext>
+            </a:extLst>
+          </p:cNvPr>
+          <p:cNvSpPr txBox="1"/>
+          <p:nvPr/>
+        </p:nvSpPr>
+        <p:spPr>
+          <a:xfrm>
+            <a:off x="5444359" y="6348248"/>
+            <a:ext cx="842538" cy="369332"/>
+          </a:xfrm>
+          <a:prstGeom prst="rect">
+            <a:avLst/>
+          </a:prstGeom>
+          <a:noFill/>
+        </p:spPr>
+        <p:txBody>
+          <a:bodyPr wrap="none" rtlCol="0">
+            <a:spAutoFit/>
+          </a:bodyPr>
+          <a:lstStyle/>
+          <a:p>
             <a:r>
               <a:rPr lang="en-US" dirty="0"/>
-              <a:t>Subnet</a:t>
-            </a:r>
-          </a:p>
-        </p:txBody>
-      </p:sp>
-      <p:sp>
-        <p:nvSpPr>
-          <p:cNvPr id="8" name="Snip Same Side Corner Rectangle 7">
-            <a:extLst>
-              <a:ext uri="{FF2B5EF4-FFF2-40B4-BE49-F238E27FC236}">
-                <a16:creationId xmlns:a16="http://schemas.microsoft.com/office/drawing/2014/main" id="{D7C0FD32-DDF2-FC4D-B3EC-1AB5FE68762C}"/>
+              <a:t>EKS RG</a:t>
+            </a:r>
+          </a:p>
+        </p:txBody>
+      </p:sp>
+      <p:pic>
+        <p:nvPicPr>
+          <p:cNvPr id="11" name="Picture 10">
+            <a:extLst>
+              <a:ext uri="{FF2B5EF4-FFF2-40B4-BE49-F238E27FC236}">
+                <a16:creationId xmlns:a16="http://schemas.microsoft.com/office/drawing/2014/main" id="{EFE7B777-7A76-7D45-8B0C-26557E59EA06}"/>
+              </a:ext>
+            </a:extLst>
+          </p:cNvPr>
+          <p:cNvPicPr>
+            <a:picLocks noChangeAspect="1"/>
+          </p:cNvPicPr>
+          <p:nvPr/>
+        </p:nvPicPr>
+        <p:blipFill>
+          <a:blip r:embed="rId2"/>
+          <a:stretch>
+            <a:fillRect/>
+          </a:stretch>
+        </p:blipFill>
+        <p:spPr>
+          <a:xfrm>
+            <a:off x="950139" y="4056260"/>
+            <a:ext cx="1203779" cy="639817"/>
+          </a:xfrm>
+          <a:prstGeom prst="rect">
+            <a:avLst/>
+          </a:prstGeom>
+        </p:spPr>
+      </p:pic>
+      <p:pic>
+        <p:nvPicPr>
+          <p:cNvPr id="13" name="Picture 12">
+            <a:extLst>
+              <a:ext uri="{FF2B5EF4-FFF2-40B4-BE49-F238E27FC236}">
+                <a16:creationId xmlns:a16="http://schemas.microsoft.com/office/drawing/2014/main" id="{EB9106E5-1B22-A240-B6C5-5F80A1B0A434}"/>
+              </a:ext>
+            </a:extLst>
+          </p:cNvPr>
+          <p:cNvPicPr>
+            <a:picLocks noChangeAspect="1"/>
+          </p:cNvPicPr>
+          <p:nvPr/>
+        </p:nvPicPr>
+        <p:blipFill>
+          <a:blip r:embed="rId3"/>
+          <a:stretch>
+            <a:fillRect/>
+          </a:stretch>
+        </p:blipFill>
+        <p:spPr>
+          <a:xfrm>
+            <a:off x="135928" y="5279258"/>
+            <a:ext cx="825500" cy="889000"/>
+          </a:xfrm>
+          <a:prstGeom prst="rect">
+            <a:avLst/>
+          </a:prstGeom>
+        </p:spPr>
+      </p:pic>
+      <p:pic>
+        <p:nvPicPr>
+          <p:cNvPr id="19" name="Picture 18">
+            <a:extLst>
+              <a:ext uri="{FF2B5EF4-FFF2-40B4-BE49-F238E27FC236}">
+                <a16:creationId xmlns:a16="http://schemas.microsoft.com/office/drawing/2014/main" id="{C5C60F32-46EC-004F-AEDA-F9DB6BE88F3D}"/>
+              </a:ext>
+            </a:extLst>
+          </p:cNvPr>
+          <p:cNvPicPr>
+            <a:picLocks noChangeAspect="1"/>
+          </p:cNvPicPr>
+          <p:nvPr/>
+        </p:nvPicPr>
+        <p:blipFill>
+          <a:blip r:embed="rId4"/>
+          <a:stretch>
+            <a:fillRect/>
+          </a:stretch>
+        </p:blipFill>
+        <p:spPr>
+          <a:xfrm>
+            <a:off x="3031357" y="2493436"/>
+            <a:ext cx="812800" cy="812800"/>
+          </a:xfrm>
+          <a:prstGeom prst="rect">
+            <a:avLst/>
+          </a:prstGeom>
+        </p:spPr>
+      </p:pic>
+      <p:pic>
+        <p:nvPicPr>
+          <p:cNvPr id="21" name="Picture 20">
+            <a:extLst>
+              <a:ext uri="{FF2B5EF4-FFF2-40B4-BE49-F238E27FC236}">
+                <a16:creationId xmlns:a16="http://schemas.microsoft.com/office/drawing/2014/main" id="{8E958C27-A622-6E4E-869D-A7B365705BA1}"/>
+              </a:ext>
+            </a:extLst>
+          </p:cNvPr>
+          <p:cNvPicPr>
+            <a:picLocks noChangeAspect="1"/>
+          </p:cNvPicPr>
+          <p:nvPr/>
+        </p:nvPicPr>
+        <p:blipFill>
+          <a:blip r:embed="rId4"/>
+          <a:stretch>
+            <a:fillRect/>
+          </a:stretch>
+        </p:blipFill>
+        <p:spPr>
+          <a:xfrm>
+            <a:off x="3869554" y="2527594"/>
+            <a:ext cx="812800" cy="812800"/>
+          </a:xfrm>
+          <a:prstGeom prst="rect">
+            <a:avLst/>
+          </a:prstGeom>
+        </p:spPr>
+      </p:pic>
+      <p:pic>
+        <p:nvPicPr>
+          <p:cNvPr id="22" name="Picture 21">
+            <a:extLst>
+              <a:ext uri="{FF2B5EF4-FFF2-40B4-BE49-F238E27FC236}">
+                <a16:creationId xmlns:a16="http://schemas.microsoft.com/office/drawing/2014/main" id="{87417923-ABDE-5047-9AB6-A707C84552AF}"/>
+              </a:ext>
+            </a:extLst>
+          </p:cNvPr>
+          <p:cNvPicPr>
+            <a:picLocks noChangeAspect="1"/>
+          </p:cNvPicPr>
+          <p:nvPr/>
+        </p:nvPicPr>
+        <p:blipFill>
+          <a:blip r:embed="rId4"/>
+          <a:stretch>
+            <a:fillRect/>
+          </a:stretch>
+        </p:blipFill>
+        <p:spPr>
+          <a:xfrm>
+            <a:off x="4631559" y="2500442"/>
+            <a:ext cx="812800" cy="812800"/>
+          </a:xfrm>
+          <a:prstGeom prst="rect">
+            <a:avLst/>
+          </a:prstGeom>
+        </p:spPr>
+      </p:pic>
+      <p:sp>
+        <p:nvSpPr>
+          <p:cNvPr id="24" name="Rectangle 23">
+            <a:extLst>
+              <a:ext uri="{FF2B5EF4-FFF2-40B4-BE49-F238E27FC236}">
+                <a16:creationId xmlns:a16="http://schemas.microsoft.com/office/drawing/2014/main" id="{DDC95E21-0C5E-7F49-A877-D6EDA521FA3B}"/>
               </a:ext>
             </a:extLst>
           </p:cNvPr>
@@ -3645,12 +3972,13 @@
         </p:nvSpPr>
         <p:spPr>
           <a:xfrm>
-            <a:off x="7194329" y="5633543"/>
-            <a:ext cx="914400" cy="546538"/>
-          </a:xfrm>
-          <a:prstGeom prst="snip2SameRect">
+            <a:off x="2060028" y="1134241"/>
+            <a:ext cx="4614041" cy="2444532"/>
+          </a:xfrm>
+          <a:prstGeom prst="rect">
             <a:avLst/>
           </a:prstGeom>
+          <a:noFill/>
         </p:spPr>
         <p:style>
           <a:lnRef idx="2">
@@ -3673,382 +4001,32 @@
           <a:lstStyle/>
           <a:p>
             <a:pPr algn="ctr"/>
-            <a:endParaRPr lang="en-US" dirty="0"/>
-          </a:p>
-          <a:p>
-            <a:pPr algn="ctr"/>
-            <a:r>
-              <a:rPr lang="en-US" dirty="0"/>
-              <a:t>Routes</a:t>
-            </a:r>
-          </a:p>
-          <a:p>
-            <a:pPr algn="ctr"/>
-            <a:endParaRPr lang="en-US" dirty="0"/>
-          </a:p>
-        </p:txBody>
-      </p:sp>
-      <p:sp>
-        <p:nvSpPr>
-          <p:cNvPr id="9" name="Rectangle 8">
-            <a:extLst>
-              <a:ext uri="{FF2B5EF4-FFF2-40B4-BE49-F238E27FC236}">
-                <a16:creationId xmlns:a16="http://schemas.microsoft.com/office/drawing/2014/main" id="{1D189021-A5D7-6448-A350-93BA1A0F95C7}"/>
-              </a:ext>
-            </a:extLst>
-          </p:cNvPr>
-          <p:cNvSpPr/>
+            <a:endParaRPr lang="en-US"/>
+          </a:p>
+        </p:txBody>
+      </p:sp>
+      <p:sp>
+        <p:nvSpPr>
+          <p:cNvPr id="33" name="TextBox 32">
+            <a:extLst>
+              <a:ext uri="{FF2B5EF4-FFF2-40B4-BE49-F238E27FC236}">
+                <a16:creationId xmlns:a16="http://schemas.microsoft.com/office/drawing/2014/main" id="{63F6598D-73F3-3948-B112-B155EFFEA67D}"/>
+              </a:ext>
+            </a:extLst>
+          </p:cNvPr>
+          <p:cNvSpPr txBox="1"/>
           <p:nvPr/>
         </p:nvSpPr>
         <p:spPr>
           <a:xfrm>
-            <a:off x="1576550" y="861848"/>
-            <a:ext cx="8881241" cy="5486401"/>
+            <a:off x="2193160" y="2142378"/>
+            <a:ext cx="4055237" cy="276999"/>
           </a:xfrm>
           <a:prstGeom prst="rect">
             <a:avLst/>
           </a:prstGeom>
           <a:noFill/>
         </p:spPr>
-        <p:style>
-          <a:lnRef idx="2">
-            <a:schemeClr val="accent1">
-              <a:shade val="50000"/>
-            </a:schemeClr>
-          </a:lnRef>
-          <a:fillRef idx="1">
-            <a:schemeClr val="accent1"/>
-          </a:fillRef>
-          <a:effectRef idx="0">
-            <a:schemeClr val="accent1"/>
-          </a:effectRef>
-          <a:fontRef idx="minor">
-            <a:schemeClr val="lt1"/>
-          </a:fontRef>
-        </p:style>
-        <p:txBody>
-          <a:bodyPr rtlCol="0" anchor="ctr"/>
-          <a:lstStyle/>
-          <a:p>
-            <a:pPr algn="ctr"/>
-            <a:endParaRPr lang="en-US"/>
-          </a:p>
-        </p:txBody>
-      </p:sp>
-      <p:sp>
-        <p:nvSpPr>
-          <p:cNvPr id="10" name="TextBox 9">
-            <a:extLst>
-              <a:ext uri="{FF2B5EF4-FFF2-40B4-BE49-F238E27FC236}">
-                <a16:creationId xmlns:a16="http://schemas.microsoft.com/office/drawing/2014/main" id="{C1EC9BBA-07A2-CE48-9C31-BE656EFBCC77}"/>
-              </a:ext>
-            </a:extLst>
-          </p:cNvPr>
-          <p:cNvSpPr txBox="1"/>
-          <p:nvPr/>
-        </p:nvSpPr>
-        <p:spPr>
-          <a:xfrm>
-            <a:off x="5444359" y="6348248"/>
-            <a:ext cx="863378" cy="369332"/>
-          </a:xfrm>
-          <a:prstGeom prst="rect">
-            <a:avLst/>
-          </a:prstGeom>
-          <a:noFill/>
-        </p:spPr>
-        <p:txBody>
-          <a:bodyPr wrap="none" rtlCol="0">
-            <a:spAutoFit/>
-          </a:bodyPr>
-          <a:lstStyle/>
-          <a:p>
-            <a:r>
-              <a:rPr lang="en-US" dirty="0"/>
-              <a:t>AKS RG</a:t>
-            </a:r>
-          </a:p>
-        </p:txBody>
-      </p:sp>
-      <p:pic>
-        <p:nvPicPr>
-          <p:cNvPr id="11" name="Picture 10">
-            <a:extLst>
-              <a:ext uri="{FF2B5EF4-FFF2-40B4-BE49-F238E27FC236}">
-                <a16:creationId xmlns:a16="http://schemas.microsoft.com/office/drawing/2014/main" id="{EFE7B777-7A76-7D45-8B0C-26557E59EA06}"/>
-              </a:ext>
-            </a:extLst>
-          </p:cNvPr>
-          <p:cNvPicPr>
-            <a:picLocks noChangeAspect="1"/>
-          </p:cNvPicPr>
-          <p:nvPr/>
-        </p:nvPicPr>
-        <p:blipFill>
-          <a:blip r:embed="rId2"/>
-          <a:stretch>
-            <a:fillRect/>
-          </a:stretch>
-        </p:blipFill>
-        <p:spPr>
-          <a:xfrm>
-            <a:off x="950139" y="4056260"/>
-            <a:ext cx="1203779" cy="639817"/>
-          </a:xfrm>
-          <a:prstGeom prst="rect">
-            <a:avLst/>
-          </a:prstGeom>
-        </p:spPr>
-      </p:pic>
-      <p:pic>
-        <p:nvPicPr>
-          <p:cNvPr id="13" name="Picture 12">
-            <a:extLst>
-              <a:ext uri="{FF2B5EF4-FFF2-40B4-BE49-F238E27FC236}">
-                <a16:creationId xmlns:a16="http://schemas.microsoft.com/office/drawing/2014/main" id="{EB9106E5-1B22-A240-B6C5-5F80A1B0A434}"/>
-              </a:ext>
-            </a:extLst>
-          </p:cNvPr>
-          <p:cNvPicPr>
-            <a:picLocks noChangeAspect="1"/>
-          </p:cNvPicPr>
-          <p:nvPr/>
-        </p:nvPicPr>
-        <p:blipFill>
-          <a:blip r:embed="rId3"/>
-          <a:stretch>
-            <a:fillRect/>
-          </a:stretch>
-        </p:blipFill>
-        <p:spPr>
-          <a:xfrm>
-            <a:off x="135928" y="5279258"/>
-            <a:ext cx="825500" cy="889000"/>
-          </a:xfrm>
-          <a:prstGeom prst="rect">
-            <a:avLst/>
-          </a:prstGeom>
-        </p:spPr>
-      </p:pic>
-      <p:pic>
-        <p:nvPicPr>
-          <p:cNvPr id="19" name="Picture 18">
-            <a:extLst>
-              <a:ext uri="{FF2B5EF4-FFF2-40B4-BE49-F238E27FC236}">
-                <a16:creationId xmlns:a16="http://schemas.microsoft.com/office/drawing/2014/main" id="{C5C60F32-46EC-004F-AEDA-F9DB6BE88F3D}"/>
-              </a:ext>
-            </a:extLst>
-          </p:cNvPr>
-          <p:cNvPicPr>
-            <a:picLocks noChangeAspect="1"/>
-          </p:cNvPicPr>
-          <p:nvPr/>
-        </p:nvPicPr>
-        <p:blipFill>
-          <a:blip r:embed="rId4"/>
-          <a:stretch>
-            <a:fillRect/>
-          </a:stretch>
-        </p:blipFill>
-        <p:spPr>
-          <a:xfrm>
-            <a:off x="3031357" y="2493436"/>
-            <a:ext cx="812800" cy="812800"/>
-          </a:xfrm>
-          <a:prstGeom prst="rect">
-            <a:avLst/>
-          </a:prstGeom>
-        </p:spPr>
-      </p:pic>
-      <p:pic>
-        <p:nvPicPr>
-          <p:cNvPr id="20" name="Picture 19">
-            <a:extLst>
-              <a:ext uri="{FF2B5EF4-FFF2-40B4-BE49-F238E27FC236}">
-                <a16:creationId xmlns:a16="http://schemas.microsoft.com/office/drawing/2014/main" id="{7E987EC2-22D9-424E-81F0-D34A7CAF8AE8}"/>
-              </a:ext>
-            </a:extLst>
-          </p:cNvPr>
-          <p:cNvPicPr>
-            <a:picLocks noChangeAspect="1"/>
-          </p:cNvPicPr>
-          <p:nvPr/>
-        </p:nvPicPr>
-        <p:blipFill>
-          <a:blip r:embed="rId4"/>
-          <a:stretch>
-            <a:fillRect/>
-          </a:stretch>
-        </p:blipFill>
-        <p:spPr>
-          <a:xfrm>
-            <a:off x="2193160" y="2541324"/>
-            <a:ext cx="812800" cy="812800"/>
-          </a:xfrm>
-          <a:prstGeom prst="rect">
-            <a:avLst/>
-          </a:prstGeom>
-        </p:spPr>
-      </p:pic>
-      <p:pic>
-        <p:nvPicPr>
-          <p:cNvPr id="21" name="Picture 20">
-            <a:extLst>
-              <a:ext uri="{FF2B5EF4-FFF2-40B4-BE49-F238E27FC236}">
-                <a16:creationId xmlns:a16="http://schemas.microsoft.com/office/drawing/2014/main" id="{8E958C27-A622-6E4E-869D-A7B365705BA1}"/>
-              </a:ext>
-            </a:extLst>
-          </p:cNvPr>
-          <p:cNvPicPr>
-            <a:picLocks noChangeAspect="1"/>
-          </p:cNvPicPr>
-          <p:nvPr/>
-        </p:nvPicPr>
-        <p:blipFill>
-          <a:blip r:embed="rId4"/>
-          <a:stretch>
-            <a:fillRect/>
-          </a:stretch>
-        </p:blipFill>
-        <p:spPr>
-          <a:xfrm>
-            <a:off x="3869554" y="2527594"/>
-            <a:ext cx="812800" cy="812800"/>
-          </a:xfrm>
-          <a:prstGeom prst="rect">
-            <a:avLst/>
-          </a:prstGeom>
-        </p:spPr>
-      </p:pic>
-      <p:pic>
-        <p:nvPicPr>
-          <p:cNvPr id="22" name="Picture 21">
-            <a:extLst>
-              <a:ext uri="{FF2B5EF4-FFF2-40B4-BE49-F238E27FC236}">
-                <a16:creationId xmlns:a16="http://schemas.microsoft.com/office/drawing/2014/main" id="{87417923-ABDE-5047-9AB6-A707C84552AF}"/>
-              </a:ext>
-            </a:extLst>
-          </p:cNvPr>
-          <p:cNvPicPr>
-            <a:picLocks noChangeAspect="1"/>
-          </p:cNvPicPr>
-          <p:nvPr/>
-        </p:nvPicPr>
-        <p:blipFill>
-          <a:blip r:embed="rId4"/>
-          <a:stretch>
-            <a:fillRect/>
-          </a:stretch>
-        </p:blipFill>
-        <p:spPr>
-          <a:xfrm>
-            <a:off x="4631559" y="2500442"/>
-            <a:ext cx="812800" cy="812800"/>
-          </a:xfrm>
-          <a:prstGeom prst="rect">
-            <a:avLst/>
-          </a:prstGeom>
-        </p:spPr>
-      </p:pic>
-      <p:pic>
-        <p:nvPicPr>
-          <p:cNvPr id="23" name="Picture 22">
-            <a:extLst>
-              <a:ext uri="{FF2B5EF4-FFF2-40B4-BE49-F238E27FC236}">
-                <a16:creationId xmlns:a16="http://schemas.microsoft.com/office/drawing/2014/main" id="{9CFC57D3-D337-0046-A37F-E3011186D297}"/>
-              </a:ext>
-            </a:extLst>
-          </p:cNvPr>
-          <p:cNvPicPr>
-            <a:picLocks noChangeAspect="1"/>
-          </p:cNvPicPr>
-          <p:nvPr/>
-        </p:nvPicPr>
-        <p:blipFill>
-          <a:blip r:embed="rId4"/>
-          <a:stretch>
-            <a:fillRect/>
-          </a:stretch>
-        </p:blipFill>
-        <p:spPr>
-          <a:xfrm>
-            <a:off x="5435598" y="2517521"/>
-            <a:ext cx="812800" cy="812800"/>
-          </a:xfrm>
-          <a:prstGeom prst="rect">
-            <a:avLst/>
-          </a:prstGeom>
-        </p:spPr>
-      </p:pic>
-      <p:sp>
-        <p:nvSpPr>
-          <p:cNvPr id="24" name="Rectangle 23">
-            <a:extLst>
-              <a:ext uri="{FF2B5EF4-FFF2-40B4-BE49-F238E27FC236}">
-                <a16:creationId xmlns:a16="http://schemas.microsoft.com/office/drawing/2014/main" id="{DDC95E21-0C5E-7F49-A877-D6EDA521FA3B}"/>
-              </a:ext>
-            </a:extLst>
-          </p:cNvPr>
-          <p:cNvSpPr/>
-          <p:nvPr/>
-        </p:nvSpPr>
-        <p:spPr>
-          <a:xfrm>
-            <a:off x="2060028" y="1134241"/>
-            <a:ext cx="6248395" cy="2444532"/>
-          </a:xfrm>
-          <a:prstGeom prst="rect">
-            <a:avLst/>
-          </a:prstGeom>
-          <a:noFill/>
-        </p:spPr>
-        <p:style>
-          <a:lnRef idx="2">
-            <a:schemeClr val="accent1">
-              <a:shade val="50000"/>
-            </a:schemeClr>
-          </a:lnRef>
-          <a:fillRef idx="1">
-            <a:schemeClr val="accent1"/>
-          </a:fillRef>
-          <a:effectRef idx="0">
-            <a:schemeClr val="accent1"/>
-          </a:effectRef>
-          <a:fontRef idx="minor">
-            <a:schemeClr val="lt1"/>
-          </a:fontRef>
-        </p:style>
-        <p:txBody>
-          <a:bodyPr rtlCol="0" anchor="ctr"/>
-          <a:lstStyle/>
-          <a:p>
-            <a:pPr algn="ctr"/>
-            <a:endParaRPr lang="en-US"/>
-          </a:p>
-        </p:txBody>
-      </p:sp>
-      <p:sp>
-        <p:nvSpPr>
-          <p:cNvPr id="33" name="TextBox 32">
-            <a:extLst>
-              <a:ext uri="{FF2B5EF4-FFF2-40B4-BE49-F238E27FC236}">
-                <a16:creationId xmlns:a16="http://schemas.microsoft.com/office/drawing/2014/main" id="{63F6598D-73F3-3948-B112-B155EFFEA67D}"/>
-              </a:ext>
-            </a:extLst>
-          </p:cNvPr>
-          <p:cNvSpPr txBox="1"/>
-          <p:nvPr/>
-        </p:nvSpPr>
-        <p:spPr>
-          <a:xfrm>
-            <a:off x="2193160" y="2142378"/>
-            <a:ext cx="4055237" cy="276999"/>
-          </a:xfrm>
-          <a:prstGeom prst="rect">
-            <a:avLst/>
-          </a:prstGeom>
-          <a:noFill/>
-        </p:spPr>
         <p:txBody>
           <a:bodyPr wrap="square" rtlCol="0">
             <a:spAutoFit/>
@@ -4057,8 +4035,13 @@
           <a:p>
             <a:r>
               <a:rPr lang="en-US" sz="1200" dirty="0"/>
-              <a:t>PGDB              PGDB              PGADMIN	WEB        WEB</a:t>
-            </a:r>
+              <a:t>                       PGADMIN	WEB        </a:t>
+            </a:r>
+            <a:r>
+              <a:rPr lang="en-US" sz="1200" dirty="0" err="1"/>
+              <a:t>PostGres</a:t>
+            </a:r>
+            <a:endParaRPr lang="en-US" sz="1200" dirty="0"/>
           </a:p>
         </p:txBody>
       </p:sp>
@@ -4084,7 +4067,7 @@
         </p:blipFill>
         <p:spPr>
           <a:xfrm>
-            <a:off x="7960513" y="3040553"/>
+            <a:off x="6275747" y="934012"/>
             <a:ext cx="627141" cy="627141"/>
           </a:xfrm>
           <a:prstGeom prst="rect">
@@ -4168,57 +4151,15 @@
       </p:pic>
       <p:cxnSp>
         <p:nvCxnSpPr>
-          <p:cNvPr id="41" name="Straight Arrow Connector 40">
-            <a:extLst>
-              <a:ext uri="{FF2B5EF4-FFF2-40B4-BE49-F238E27FC236}">
-                <a16:creationId xmlns:a16="http://schemas.microsoft.com/office/drawing/2014/main" id="{F54AC784-B3F3-5841-BEDA-0C6D77EF1ECF}"/>
+          <p:cNvPr id="43" name="Straight Arrow Connector 42">
+            <a:extLst>
+              <a:ext uri="{FF2B5EF4-FFF2-40B4-BE49-F238E27FC236}">
+                <a16:creationId xmlns:a16="http://schemas.microsoft.com/office/drawing/2014/main" id="{E85B151E-66D6-7844-B82C-278468A858DF}"/>
               </a:ext>
             </a:extLst>
           </p:cNvPr>
           <p:cNvCxnSpPr>
-            <a:stCxn id="39" idx="2"/>
-            <a:endCxn id="20" idx="0"/>
-          </p:cNvCxnSpPr>
-          <p:nvPr/>
-        </p:nvCxnSpPr>
-        <p:spPr>
-          <a:xfrm flipH="1" flipV="1">
-            <a:off x="2599560" y="2541324"/>
-            <a:ext cx="450189" cy="2262934"/>
-          </a:xfrm>
-          <a:prstGeom prst="straightConnector1">
-            <a:avLst/>
-          </a:prstGeom>
-          <a:ln>
-            <a:headEnd type="triangle"/>
-            <a:tailEnd type="triangle"/>
-          </a:ln>
-        </p:spPr>
-        <p:style>
-          <a:lnRef idx="1">
-            <a:schemeClr val="accent1"/>
-          </a:lnRef>
-          <a:fillRef idx="0">
-            <a:schemeClr val="accent1"/>
-          </a:fillRef>
-          <a:effectRef idx="0">
-            <a:schemeClr val="accent1"/>
-          </a:effectRef>
-          <a:fontRef idx="minor">
-            <a:schemeClr val="tx1"/>
-          </a:fontRef>
-        </p:style>
-      </p:cxnSp>
-      <p:cxnSp>
-        <p:nvCxnSpPr>
-          <p:cNvPr id="43" name="Straight Arrow Connector 42">
-            <a:extLst>
-              <a:ext uri="{FF2B5EF4-FFF2-40B4-BE49-F238E27FC236}">
-                <a16:creationId xmlns:a16="http://schemas.microsoft.com/office/drawing/2014/main" id="{E85B151E-66D6-7844-B82C-278468A858DF}"/>
-              </a:ext>
-            </a:extLst>
-          </p:cNvPr>
-          <p:cNvCxnSpPr>
+            <a:cxnSpLocks/>
             <a:stCxn id="39" idx="2"/>
             <a:endCxn id="19" idx="0"/>
           </p:cNvCxnSpPr>
@@ -4364,6 +4305,7 @@
             </a:extLst>
           </p:cNvPr>
           <p:cNvCxnSpPr>
+            <a:cxnSpLocks/>
             <a:endCxn id="4" idx="1"/>
           </p:cNvCxnSpPr>
           <p:nvPr/>
@@ -4372,50 +4314,6 @@
           <a:xfrm>
             <a:off x="961428" y="5723758"/>
             <a:ext cx="1445439" cy="14890"/>
-          </a:xfrm>
-          <a:prstGeom prst="straightConnector1">
-            <a:avLst/>
-          </a:prstGeom>
-          <a:ln>
-            <a:headEnd type="triangle"/>
-            <a:tailEnd type="triangle"/>
-          </a:ln>
-        </p:spPr>
-        <p:style>
-          <a:lnRef idx="1">
-            <a:schemeClr val="accent1"/>
-          </a:lnRef>
-          <a:fillRef idx="0">
-            <a:schemeClr val="accent1"/>
-          </a:fillRef>
-          <a:effectRef idx="0">
-            <a:schemeClr val="accent1"/>
-          </a:effectRef>
-          <a:fontRef idx="minor">
-            <a:schemeClr val="tx1"/>
-          </a:fontRef>
-        </p:style>
-      </p:cxnSp>
-      <p:cxnSp>
-        <p:nvCxnSpPr>
-          <p:cNvPr id="62" name="Straight Arrow Connector 61">
-            <a:extLst>
-              <a:ext uri="{FF2B5EF4-FFF2-40B4-BE49-F238E27FC236}">
-                <a16:creationId xmlns:a16="http://schemas.microsoft.com/office/drawing/2014/main" id="{B1CE43D1-4393-9C45-91AE-5E5D5CB90C2C}"/>
-              </a:ext>
-            </a:extLst>
-          </p:cNvPr>
-          <p:cNvCxnSpPr>
-            <a:cxnSpLocks/>
-            <a:stCxn id="55" idx="1"/>
-            <a:endCxn id="20" idx="0"/>
-          </p:cNvCxnSpPr>
-          <p:nvPr/>
-        </p:nvCxnSpPr>
-        <p:spPr>
-          <a:xfrm flipH="1">
-            <a:off x="2599560" y="1653983"/>
-            <a:ext cx="1269994" cy="887341"/>
           </a:xfrm>
           <a:prstGeom prst="straightConnector1">
             <a:avLst/>
@@ -4530,50 +4428,6 @@
       </p:cxnSp>
       <p:cxnSp>
         <p:nvCxnSpPr>
-          <p:cNvPr id="65" name="Straight Arrow Connector 64">
-            <a:extLst>
-              <a:ext uri="{FF2B5EF4-FFF2-40B4-BE49-F238E27FC236}">
-                <a16:creationId xmlns:a16="http://schemas.microsoft.com/office/drawing/2014/main" id="{82CBC3FA-7FF7-804B-86D0-474D30D7580A}"/>
-              </a:ext>
-            </a:extLst>
-          </p:cNvPr>
-          <p:cNvCxnSpPr>
-            <a:cxnSpLocks/>
-            <a:stCxn id="55" idx="3"/>
-            <a:endCxn id="23" idx="0"/>
-          </p:cNvCxnSpPr>
-          <p:nvPr/>
-        </p:nvCxnSpPr>
-        <p:spPr>
-          <a:xfrm>
-            <a:off x="4682354" y="1653983"/>
-            <a:ext cx="1159644" cy="863538"/>
-          </a:xfrm>
-          <a:prstGeom prst="straightConnector1">
-            <a:avLst/>
-          </a:prstGeom>
-          <a:ln>
-            <a:headEnd type="triangle"/>
-            <a:tailEnd type="triangle"/>
-          </a:ln>
-        </p:spPr>
-        <p:style>
-          <a:lnRef idx="1">
-            <a:schemeClr val="accent1"/>
-          </a:lnRef>
-          <a:fillRef idx="0">
-            <a:schemeClr val="accent1"/>
-          </a:fillRef>
-          <a:effectRef idx="0">
-            <a:schemeClr val="accent1"/>
-          </a:effectRef>
-          <a:fontRef idx="minor">
-            <a:schemeClr val="tx1"/>
-          </a:fontRef>
-        </p:style>
-      </p:cxnSp>
-      <p:cxnSp>
-        <p:nvCxnSpPr>
           <p:cNvPr id="73" name="Straight Arrow Connector 72">
             <a:extLst>
               <a:ext uri="{FF2B5EF4-FFF2-40B4-BE49-F238E27FC236}">
@@ -4690,23 +4544,23 @@
       </p:cxnSp>
       <p:cxnSp>
         <p:nvCxnSpPr>
-          <p:cNvPr id="83" name="Straight Arrow Connector 82">
-            <a:extLst>
-              <a:ext uri="{FF2B5EF4-FFF2-40B4-BE49-F238E27FC236}">
-                <a16:creationId xmlns:a16="http://schemas.microsoft.com/office/drawing/2014/main" id="{FFD0AA6D-9247-0841-A9FD-1A20171AF6E3}"/>
+          <p:cNvPr id="85" name="Straight Arrow Connector 84">
+            <a:extLst>
+              <a:ext uri="{FF2B5EF4-FFF2-40B4-BE49-F238E27FC236}">
+                <a16:creationId xmlns:a16="http://schemas.microsoft.com/office/drawing/2014/main" id="{8F3C4B7A-6C71-F644-9299-E5D1E1FD6208}"/>
               </a:ext>
             </a:extLst>
           </p:cNvPr>
           <p:cNvCxnSpPr>
             <a:stCxn id="78" idx="0"/>
-            <a:endCxn id="23" idx="2"/>
+            <a:endCxn id="22" idx="2"/>
           </p:cNvCxnSpPr>
           <p:nvPr/>
         </p:nvCxnSpPr>
         <p:spPr>
-          <a:xfrm flipV="1">
-            <a:off x="5703614" y="3330321"/>
-            <a:ext cx="138384" cy="712655"/>
+          <a:xfrm flipH="1" flipV="1">
+            <a:off x="5037959" y="3313242"/>
+            <a:ext cx="665655" cy="729734"/>
           </a:xfrm>
           <a:prstGeom prst="straightConnector1">
             <a:avLst/>
@@ -4731,49 +4585,6 @@
           </a:fontRef>
         </p:style>
       </p:cxnSp>
-      <p:cxnSp>
-        <p:nvCxnSpPr>
-          <p:cNvPr id="85" name="Straight Arrow Connector 84">
-            <a:extLst>
-              <a:ext uri="{FF2B5EF4-FFF2-40B4-BE49-F238E27FC236}">
-                <a16:creationId xmlns:a16="http://schemas.microsoft.com/office/drawing/2014/main" id="{8F3C4B7A-6C71-F644-9299-E5D1E1FD6208}"/>
-              </a:ext>
-            </a:extLst>
-          </p:cNvPr>
-          <p:cNvCxnSpPr>
-            <a:stCxn id="78" idx="0"/>
-            <a:endCxn id="22" idx="2"/>
-          </p:cNvCxnSpPr>
-          <p:nvPr/>
-        </p:nvCxnSpPr>
-        <p:spPr>
-          <a:xfrm flipH="1" flipV="1">
-            <a:off x="5037959" y="3313242"/>
-            <a:ext cx="665655" cy="729734"/>
-          </a:xfrm>
-          <a:prstGeom prst="straightConnector1">
-            <a:avLst/>
-          </a:prstGeom>
-          <a:ln>
-            <a:headEnd type="triangle"/>
-            <a:tailEnd type="triangle"/>
-          </a:ln>
-        </p:spPr>
-        <p:style>
-          <a:lnRef idx="1">
-            <a:schemeClr val="accent1"/>
-          </a:lnRef>
-          <a:fillRef idx="0">
-            <a:schemeClr val="accent1"/>
-          </a:fillRef>
-          <a:effectRef idx="0">
-            <a:schemeClr val="accent1"/>
-          </a:effectRef>
-          <a:fontRef idx="minor">
-            <a:schemeClr val="tx1"/>
-          </a:fontRef>
-        </p:style>
-      </p:cxnSp>
       <p:sp>
         <p:nvSpPr>
           <p:cNvPr id="86" name="Round Diagonal Corner Rectangle 85">
@@ -4789,7 +4600,7 @@
         <p:spPr>
           <a:xfrm>
             <a:off x="4183882" y="3991458"/>
-            <a:ext cx="4647431" cy="889128"/>
+            <a:ext cx="3139399" cy="889128"/>
           </a:xfrm>
           <a:prstGeom prst="round2DiagRect">
             <a:avLst/>
@@ -4865,7 +4676,7 @@
         <p:spPr>
           <a:xfrm>
             <a:off x="327760" y="2609614"/>
-            <a:ext cx="564514" cy="369332"/>
+            <a:ext cx="542649" cy="369332"/>
           </a:xfrm>
           <a:prstGeom prst="rect">
             <a:avLst/>
@@ -4880,7 +4691,7 @@
           <a:p>
             <a:r>
               <a:rPr lang="en-US" dirty="0"/>
-              <a:t>ACR</a:t>
+              <a:t>ECR</a:t>
             </a:r>
           </a:p>
         </p:txBody>
@@ -4926,79 +4737,6 @@
           </a:fontRef>
         </p:style>
       </p:cxnSp>
-      <p:pic>
-        <p:nvPicPr>
-          <p:cNvPr id="2" name="Picture 1">
-            <a:extLst>
-              <a:ext uri="{FF2B5EF4-FFF2-40B4-BE49-F238E27FC236}">
-                <a16:creationId xmlns:a16="http://schemas.microsoft.com/office/drawing/2014/main" id="{663B3FC0-7A3E-BF4A-9708-907904A539CF}"/>
-              </a:ext>
-            </a:extLst>
-          </p:cNvPr>
-          <p:cNvPicPr>
-            <a:picLocks noChangeAspect="1"/>
-          </p:cNvPicPr>
-          <p:nvPr/>
-        </p:nvPicPr>
-        <p:blipFill>
-          <a:blip r:embed="rId9"/>
-          <a:stretch>
-            <a:fillRect/>
-          </a:stretch>
-        </p:blipFill>
-        <p:spPr>
-          <a:xfrm>
-            <a:off x="6515750" y="2517521"/>
-            <a:ext cx="861664" cy="729451"/>
-          </a:xfrm>
-          <a:prstGeom prst="rect">
-            <a:avLst/>
-          </a:prstGeom>
-        </p:spPr>
-      </p:pic>
-      <p:cxnSp>
-        <p:nvCxnSpPr>
-          <p:cNvPr id="16" name="Straight Arrow Connector 15">
-            <a:extLst>
-              <a:ext uri="{FF2B5EF4-FFF2-40B4-BE49-F238E27FC236}">
-                <a16:creationId xmlns:a16="http://schemas.microsoft.com/office/drawing/2014/main" id="{1EE3FB60-8A67-7D45-B6F0-43CED089F08D}"/>
-              </a:ext>
-            </a:extLst>
-          </p:cNvPr>
-          <p:cNvCxnSpPr>
-            <a:stCxn id="55" idx="3"/>
-            <a:endCxn id="2" idx="0"/>
-          </p:cNvCxnSpPr>
-          <p:nvPr/>
-        </p:nvCxnSpPr>
-        <p:spPr>
-          <a:xfrm>
-            <a:off x="4682354" y="1653983"/>
-            <a:ext cx="2264228" cy="863538"/>
-          </a:xfrm>
-          <a:prstGeom prst="straightConnector1">
-            <a:avLst/>
-          </a:prstGeom>
-          <a:ln>
-            <a:headEnd type="triangle"/>
-            <a:tailEnd type="triangle"/>
-          </a:ln>
-        </p:spPr>
-        <p:style>
-          <a:lnRef idx="1">
-            <a:schemeClr val="accent1"/>
-          </a:lnRef>
-          <a:fillRef idx="0">
-            <a:schemeClr val="accent1"/>
-          </a:fillRef>
-          <a:effectRef idx="0">
-            <a:schemeClr val="accent1"/>
-          </a:effectRef>
-          <a:fontRef idx="minor">
-            <a:schemeClr val="tx1"/>
-          </a:fontRef>
-        </p:style>
-      </p:cxnSp>
       <p:sp>
         <p:nvSpPr>
           <p:cNvPr id="87" name="TextBox 86">
@@ -5013,7 +4751,7 @@
         </p:nvSpPr>
         <p:spPr>
           <a:xfrm>
-            <a:off x="7634282" y="4328100"/>
+            <a:off x="6198200" y="4115291"/>
             <a:ext cx="1409377" cy="646331"/>
           </a:xfrm>
           <a:prstGeom prst="rect">
@@ -5034,36 +4772,6 @@
           </a:p>
         </p:txBody>
       </p:sp>
-      <p:pic>
-        <p:nvPicPr>
-          <p:cNvPr id="47" name="Picture 46">
-            <a:extLst>
-              <a:ext uri="{FF2B5EF4-FFF2-40B4-BE49-F238E27FC236}">
-                <a16:creationId xmlns:a16="http://schemas.microsoft.com/office/drawing/2014/main" id="{1336D0F7-3708-0C44-995F-0E1777AF5FD2}"/>
-              </a:ext>
-            </a:extLst>
-          </p:cNvPr>
-          <p:cNvPicPr>
-            <a:picLocks noChangeAspect="1"/>
-          </p:cNvPicPr>
-          <p:nvPr/>
-        </p:nvPicPr>
-        <p:blipFill>
-          <a:blip r:embed="rId7"/>
-          <a:stretch>
-            <a:fillRect/>
-          </a:stretch>
-        </p:blipFill>
-        <p:spPr>
-          <a:xfrm>
-            <a:off x="6448420" y="3996120"/>
-            <a:ext cx="812800" cy="812800"/>
-          </a:xfrm>
-          <a:prstGeom prst="rect">
-            <a:avLst/>
-          </a:prstGeom>
-        </p:spPr>
-      </p:pic>
       <p:cxnSp>
         <p:nvCxnSpPr>
           <p:cNvPr id="48" name="Straight Arrow Connector 47">
@@ -5075,7 +4783,6 @@
           </p:cNvPr>
           <p:cNvCxnSpPr>
             <a:cxnSpLocks/>
-            <a:stCxn id="47" idx="2"/>
           </p:cNvCxnSpPr>
           <p:nvPr/>
         </p:nvCxnSpPr>
@@ -5083,50 +4790,6 @@
           <a:xfrm flipH="1">
             <a:off x="6853248" y="4808920"/>
             <a:ext cx="1572" cy="416187"/>
-          </a:xfrm>
-          <a:prstGeom prst="straightConnector1">
-            <a:avLst/>
-          </a:prstGeom>
-          <a:ln>
-            <a:headEnd type="triangle"/>
-            <a:tailEnd type="triangle"/>
-          </a:ln>
-        </p:spPr>
-        <p:style>
-          <a:lnRef idx="1">
-            <a:schemeClr val="accent1"/>
-          </a:lnRef>
-          <a:fillRef idx="0">
-            <a:schemeClr val="accent1"/>
-          </a:fillRef>
-          <a:effectRef idx="0">
-            <a:schemeClr val="accent1"/>
-          </a:effectRef>
-          <a:fontRef idx="minor">
-            <a:schemeClr val="tx1"/>
-          </a:fontRef>
-        </p:style>
-      </p:cxnSp>
-      <p:cxnSp>
-        <p:nvCxnSpPr>
-          <p:cNvPr id="52" name="Straight Arrow Connector 51">
-            <a:extLst>
-              <a:ext uri="{FF2B5EF4-FFF2-40B4-BE49-F238E27FC236}">
-                <a16:creationId xmlns:a16="http://schemas.microsoft.com/office/drawing/2014/main" id="{289D9AE1-D10C-5443-8433-3D6DAC3257B1}"/>
-              </a:ext>
-            </a:extLst>
-          </p:cNvPr>
-          <p:cNvCxnSpPr>
-            <a:cxnSpLocks/>
-            <a:stCxn id="2" idx="2"/>
-            <a:endCxn id="47" idx="0"/>
-          </p:cNvCxnSpPr>
-          <p:nvPr/>
-        </p:nvCxnSpPr>
-        <p:spPr>
-          <a:xfrm flipH="1">
-            <a:off x="6854820" y="3246972"/>
-            <a:ext cx="91762" cy="749148"/>
           </a:xfrm>
           <a:prstGeom prst="straightConnector1">
             <a:avLst/>
